--- a/RWorkshopPart3-RegressionAndGraphics.pptx
+++ b/RWorkshopPart3-RegressionAndGraphics.pptx
@@ -135,6 +135,22 @@
       </a:defRPr>
     </a:lvl9pPr>
   </p:defaultTextStyle>
+  <p:extLst>
+    <p:ext uri="{EFAFB233-063F-42B5-8137-9DF3F51BA10A}">
+      <p15:sldGuideLst xmlns:p15="http://schemas.microsoft.com/office/powerpoint/2012/main">
+        <p15:guide id="1" orient="horz" pos="2160">
+          <p15:clr>
+            <a:srgbClr val="A4A3A4"/>
+          </p15:clr>
+        </p15:guide>
+        <p15:guide id="2" pos="2880">
+          <p15:clr>
+            <a:srgbClr val="A4A3A4"/>
+          </p15:clr>
+        </p15:guide>
+      </p15:sldGuideLst>
+    </p:ext>
+  </p:extLst>
 </p:presentation>
 </file>
 
@@ -220,7 +236,7 @@
           <a:p>
             <a:fld id="{E8461243-D604-5843-845B-7EFB5EA31B62}" type="datetimeFigureOut">
               <a:rPr lang="en-US" smtClean="0"/>
-              <a:t>6/13/19</a:t>
+              <a:t>1/7/21</a:t>
             </a:fld>
             <a:endParaRPr lang="en-US"/>
           </a:p>
@@ -386,7 +402,7 @@
           <a:p>
             <a:fld id="{D1F18036-45D0-F74B-A2DB-993CC21DCE2D}" type="datetimeFigureOut">
               <a:rPr lang="en-US" smtClean="0"/>
-              <a:t>6/13/19</a:t>
+              <a:t>1/7/21</a:t>
             </a:fld>
             <a:endParaRPr lang="en-US"/>
           </a:p>
@@ -450,38 +466,37 @@
           <a:p>
             <a:pPr lvl="0"/>
             <a:r>
-              <a:rPr lang="en-US" smtClean="0"/>
+              <a:rPr lang="en-US"/>
               <a:t>Click to edit Master text styles</a:t>
             </a:r>
           </a:p>
           <a:p>
             <a:pPr lvl="1"/>
             <a:r>
-              <a:rPr lang="en-US" smtClean="0"/>
+              <a:rPr lang="en-US"/>
               <a:t>Second level</a:t>
             </a:r>
           </a:p>
           <a:p>
             <a:pPr lvl="2"/>
             <a:r>
-              <a:rPr lang="en-US" smtClean="0"/>
+              <a:rPr lang="en-US"/>
               <a:t>Third level</a:t>
             </a:r>
           </a:p>
           <a:p>
             <a:pPr lvl="3"/>
             <a:r>
-              <a:rPr lang="en-US" smtClean="0"/>
+              <a:rPr lang="en-US"/>
               <a:t>Fourth level</a:t>
             </a:r>
           </a:p>
           <a:p>
             <a:pPr lvl="4"/>
             <a:r>
-              <a:rPr lang="en-US" smtClean="0"/>
+              <a:rPr lang="en-US"/>
               <a:t>Fifth level</a:t>
             </a:r>
-            <a:endParaRPr lang="en-US"/>
           </a:p>
         </p:txBody>
       </p:sp>
@@ -693,10 +708,9 @@
           <a:lstStyle/>
           <a:p>
             <a:r>
-              <a:rPr lang="en-US" smtClean="0"/>
+              <a:rPr lang="en-US"/>
               <a:t>Click to edit Master title style</a:t>
             </a:r>
-            <a:endParaRPr lang="en-US"/>
           </a:p>
         </p:txBody>
       </p:sp>
@@ -812,10 +826,9 @@
           </a:lstStyle>
           <a:p>
             <a:r>
-              <a:rPr lang="en-US" smtClean="0"/>
+              <a:rPr lang="en-US"/>
               <a:t>Click to edit Master subtitle style</a:t>
             </a:r>
-            <a:endParaRPr lang="en-US"/>
           </a:p>
         </p:txBody>
       </p:sp>
@@ -836,7 +849,7 @@
           <a:p>
             <a:fld id="{9D01412E-F354-124D-AF0A-ACD59DB5DF72}" type="datetime1">
               <a:rPr lang="en-US" smtClean="0"/>
-              <a:t>6/13/19</a:t>
+              <a:t>1/7/21</a:t>
             </a:fld>
             <a:endParaRPr lang="en-US"/>
           </a:p>
@@ -930,10 +943,9 @@
           <a:lstStyle/>
           <a:p>
             <a:r>
-              <a:rPr lang="en-US" smtClean="0"/>
+              <a:rPr lang="en-US"/>
               <a:t>Click to edit Master title style</a:t>
             </a:r>
-            <a:endParaRPr lang="en-US"/>
           </a:p>
         </p:txBody>
       </p:sp>
@@ -954,38 +966,37 @@
           <a:p>
             <a:pPr lvl="0"/>
             <a:r>
-              <a:rPr lang="en-US" smtClean="0"/>
+              <a:rPr lang="en-US"/>
               <a:t>Click to edit Master text styles</a:t>
             </a:r>
           </a:p>
           <a:p>
             <a:pPr lvl="1"/>
             <a:r>
-              <a:rPr lang="en-US" smtClean="0"/>
+              <a:rPr lang="en-US"/>
               <a:t>Second level</a:t>
             </a:r>
           </a:p>
           <a:p>
             <a:pPr lvl="2"/>
             <a:r>
-              <a:rPr lang="en-US" smtClean="0"/>
+              <a:rPr lang="en-US"/>
               <a:t>Third level</a:t>
             </a:r>
           </a:p>
           <a:p>
             <a:pPr lvl="3"/>
             <a:r>
-              <a:rPr lang="en-US" smtClean="0"/>
+              <a:rPr lang="en-US"/>
               <a:t>Fourth level</a:t>
             </a:r>
           </a:p>
           <a:p>
             <a:pPr lvl="4"/>
             <a:r>
-              <a:rPr lang="en-US" smtClean="0"/>
+              <a:rPr lang="en-US"/>
               <a:t>Fifth level</a:t>
             </a:r>
-            <a:endParaRPr lang="en-US"/>
           </a:p>
         </p:txBody>
       </p:sp>
@@ -1006,7 +1017,7 @@
           <a:p>
             <a:fld id="{876A67C4-9301-5D42-A1ED-080767BDD210}" type="datetime1">
               <a:rPr lang="en-US" smtClean="0"/>
-              <a:t>6/13/19</a:t>
+              <a:t>1/7/21</a:t>
             </a:fld>
             <a:endParaRPr lang="en-US"/>
           </a:p>
@@ -1105,10 +1116,9 @@
           <a:lstStyle/>
           <a:p>
             <a:r>
-              <a:rPr lang="en-US" smtClean="0"/>
+              <a:rPr lang="en-US"/>
               <a:t>Click to edit Master title style</a:t>
             </a:r>
-            <a:endParaRPr lang="en-US"/>
           </a:p>
         </p:txBody>
       </p:sp>
@@ -1134,38 +1144,37 @@
           <a:p>
             <a:pPr lvl="0"/>
             <a:r>
-              <a:rPr lang="en-US" smtClean="0"/>
+              <a:rPr lang="en-US"/>
               <a:t>Click to edit Master text styles</a:t>
             </a:r>
           </a:p>
           <a:p>
             <a:pPr lvl="1"/>
             <a:r>
-              <a:rPr lang="en-US" smtClean="0"/>
+              <a:rPr lang="en-US"/>
               <a:t>Second level</a:t>
             </a:r>
           </a:p>
           <a:p>
             <a:pPr lvl="2"/>
             <a:r>
-              <a:rPr lang="en-US" smtClean="0"/>
+              <a:rPr lang="en-US"/>
               <a:t>Third level</a:t>
             </a:r>
           </a:p>
           <a:p>
             <a:pPr lvl="3"/>
             <a:r>
-              <a:rPr lang="en-US" smtClean="0"/>
+              <a:rPr lang="en-US"/>
               <a:t>Fourth level</a:t>
             </a:r>
           </a:p>
           <a:p>
             <a:pPr lvl="4"/>
             <a:r>
-              <a:rPr lang="en-US" smtClean="0"/>
+              <a:rPr lang="en-US"/>
               <a:t>Fifth level</a:t>
             </a:r>
-            <a:endParaRPr lang="en-US"/>
           </a:p>
         </p:txBody>
       </p:sp>
@@ -1186,7 +1195,7 @@
           <a:p>
             <a:fld id="{09A1F106-5EB9-E945-A2EE-30AF861D2F9B}" type="datetime1">
               <a:rPr lang="en-US" smtClean="0"/>
-              <a:t>6/13/19</a:t>
+              <a:t>1/7/21</a:t>
             </a:fld>
             <a:endParaRPr lang="en-US"/>
           </a:p>
@@ -1280,10 +1289,9 @@
           <a:lstStyle/>
           <a:p>
             <a:r>
-              <a:rPr lang="en-US" smtClean="0"/>
+              <a:rPr lang="en-US"/>
               <a:t>Click to edit Master title style</a:t>
             </a:r>
-            <a:endParaRPr lang="en-US"/>
           </a:p>
         </p:txBody>
       </p:sp>
@@ -1304,38 +1312,37 @@
           <a:p>
             <a:pPr lvl="0"/>
             <a:r>
-              <a:rPr lang="en-US" smtClean="0"/>
+              <a:rPr lang="en-US"/>
               <a:t>Click to edit Master text styles</a:t>
             </a:r>
           </a:p>
           <a:p>
             <a:pPr lvl="1"/>
             <a:r>
-              <a:rPr lang="en-US" smtClean="0"/>
+              <a:rPr lang="en-US"/>
               <a:t>Second level</a:t>
             </a:r>
           </a:p>
           <a:p>
             <a:pPr lvl="2"/>
             <a:r>
-              <a:rPr lang="en-US" smtClean="0"/>
+              <a:rPr lang="en-US"/>
               <a:t>Third level</a:t>
             </a:r>
           </a:p>
           <a:p>
             <a:pPr lvl="3"/>
             <a:r>
-              <a:rPr lang="en-US" smtClean="0"/>
+              <a:rPr lang="en-US"/>
               <a:t>Fourth level</a:t>
             </a:r>
           </a:p>
           <a:p>
             <a:pPr lvl="4"/>
             <a:r>
-              <a:rPr lang="en-US" smtClean="0"/>
+              <a:rPr lang="en-US"/>
               <a:t>Fifth level</a:t>
             </a:r>
-            <a:endParaRPr lang="en-US"/>
           </a:p>
         </p:txBody>
       </p:sp>
@@ -1356,7 +1363,7 @@
           <a:p>
             <a:fld id="{CF492CD8-FE8A-7F4F-8C31-4634541436D1}" type="datetime1">
               <a:rPr lang="en-US" smtClean="0"/>
-              <a:t>6/13/19</a:t>
+              <a:t>1/7/21</a:t>
             </a:fld>
             <a:endParaRPr lang="en-US"/>
           </a:p>
@@ -1459,10 +1466,9 @@
           </a:lstStyle>
           <a:p>
             <a:r>
-              <a:rPr lang="en-US" smtClean="0"/>
+              <a:rPr lang="en-US"/>
               <a:t>Click to edit Master title style</a:t>
             </a:r>
-            <a:endParaRPr lang="en-US"/>
           </a:p>
         </p:txBody>
       </p:sp>
@@ -1579,7 +1585,7 @@
           <a:p>
             <a:pPr lvl="0"/>
             <a:r>
-              <a:rPr lang="en-US" smtClean="0"/>
+              <a:rPr lang="en-US"/>
               <a:t>Click to edit Master text styles</a:t>
             </a:r>
           </a:p>
@@ -1602,7 +1608,7 @@
           <a:p>
             <a:fld id="{B27317BF-5102-DD4C-A5A2-B061E96C7492}" type="datetime1">
               <a:rPr lang="en-US" smtClean="0"/>
-              <a:t>6/13/19</a:t>
+              <a:t>1/7/21</a:t>
             </a:fld>
             <a:endParaRPr lang="en-US"/>
           </a:p>
@@ -1696,10 +1702,9 @@
           <a:lstStyle/>
           <a:p>
             <a:r>
-              <a:rPr lang="en-US" smtClean="0"/>
+              <a:rPr lang="en-US"/>
               <a:t>Click to edit Master title style</a:t>
             </a:r>
-            <a:endParaRPr lang="en-US"/>
           </a:p>
         </p:txBody>
       </p:sp>
@@ -1753,38 +1758,37 @@
           <a:p>
             <a:pPr lvl="0"/>
             <a:r>
-              <a:rPr lang="en-US" smtClean="0"/>
+              <a:rPr lang="en-US"/>
               <a:t>Click to edit Master text styles</a:t>
             </a:r>
           </a:p>
           <a:p>
             <a:pPr lvl="1"/>
             <a:r>
-              <a:rPr lang="en-US" smtClean="0"/>
+              <a:rPr lang="en-US"/>
               <a:t>Second level</a:t>
             </a:r>
           </a:p>
           <a:p>
             <a:pPr lvl="2"/>
             <a:r>
-              <a:rPr lang="en-US" smtClean="0"/>
+              <a:rPr lang="en-US"/>
               <a:t>Third level</a:t>
             </a:r>
           </a:p>
           <a:p>
             <a:pPr lvl="3"/>
             <a:r>
-              <a:rPr lang="en-US" smtClean="0"/>
+              <a:rPr lang="en-US"/>
               <a:t>Fourth level</a:t>
             </a:r>
           </a:p>
           <a:p>
             <a:pPr lvl="4"/>
             <a:r>
-              <a:rPr lang="en-US" smtClean="0"/>
+              <a:rPr lang="en-US"/>
               <a:t>Fifth level</a:t>
             </a:r>
-            <a:endParaRPr lang="en-US"/>
           </a:p>
         </p:txBody>
       </p:sp>
@@ -1838,38 +1842,37 @@
           <a:p>
             <a:pPr lvl="0"/>
             <a:r>
-              <a:rPr lang="en-US" smtClean="0"/>
+              <a:rPr lang="en-US"/>
               <a:t>Click to edit Master text styles</a:t>
             </a:r>
           </a:p>
           <a:p>
             <a:pPr lvl="1"/>
             <a:r>
-              <a:rPr lang="en-US" smtClean="0"/>
+              <a:rPr lang="en-US"/>
               <a:t>Second level</a:t>
             </a:r>
           </a:p>
           <a:p>
             <a:pPr lvl="2"/>
             <a:r>
-              <a:rPr lang="en-US" smtClean="0"/>
+              <a:rPr lang="en-US"/>
               <a:t>Third level</a:t>
             </a:r>
           </a:p>
           <a:p>
             <a:pPr lvl="3"/>
             <a:r>
-              <a:rPr lang="en-US" smtClean="0"/>
+              <a:rPr lang="en-US"/>
               <a:t>Fourth level</a:t>
             </a:r>
           </a:p>
           <a:p>
             <a:pPr lvl="4"/>
             <a:r>
-              <a:rPr lang="en-US" smtClean="0"/>
+              <a:rPr lang="en-US"/>
               <a:t>Fifth level</a:t>
             </a:r>
-            <a:endParaRPr lang="en-US"/>
           </a:p>
         </p:txBody>
       </p:sp>
@@ -1890,7 +1893,7 @@
           <a:p>
             <a:fld id="{ADEEFEDB-55AC-2148-84AA-51E6552832D0}" type="datetime1">
               <a:rPr lang="en-US" smtClean="0"/>
-              <a:t>6/13/19</a:t>
+              <a:t>1/7/21</a:t>
             </a:fld>
             <a:endParaRPr lang="en-US"/>
           </a:p>
@@ -1988,10 +1991,9 @@
           </a:lstStyle>
           <a:p>
             <a:r>
-              <a:rPr lang="en-US" smtClean="0"/>
+              <a:rPr lang="en-US"/>
               <a:t>Click to edit Master title style</a:t>
             </a:r>
-            <a:endParaRPr lang="en-US"/>
           </a:p>
         </p:txBody>
       </p:sp>
@@ -2054,7 +2056,7 @@
           <a:p>
             <a:pPr lvl="0"/>
             <a:r>
-              <a:rPr lang="en-US" smtClean="0"/>
+              <a:rPr lang="en-US"/>
               <a:t>Click to edit Master text styles</a:t>
             </a:r>
           </a:p>
@@ -2110,38 +2112,37 @@
           <a:p>
             <a:pPr lvl="0"/>
             <a:r>
-              <a:rPr lang="en-US" smtClean="0"/>
+              <a:rPr lang="en-US"/>
               <a:t>Click to edit Master text styles</a:t>
             </a:r>
           </a:p>
           <a:p>
             <a:pPr lvl="1"/>
             <a:r>
-              <a:rPr lang="en-US" smtClean="0"/>
+              <a:rPr lang="en-US"/>
               <a:t>Second level</a:t>
             </a:r>
           </a:p>
           <a:p>
             <a:pPr lvl="2"/>
             <a:r>
-              <a:rPr lang="en-US" smtClean="0"/>
+              <a:rPr lang="en-US"/>
               <a:t>Third level</a:t>
             </a:r>
           </a:p>
           <a:p>
             <a:pPr lvl="3"/>
             <a:r>
-              <a:rPr lang="en-US" smtClean="0"/>
+              <a:rPr lang="en-US"/>
               <a:t>Fourth level</a:t>
             </a:r>
           </a:p>
           <a:p>
             <a:pPr lvl="4"/>
             <a:r>
-              <a:rPr lang="en-US" smtClean="0"/>
+              <a:rPr lang="en-US"/>
               <a:t>Fifth level</a:t>
             </a:r>
-            <a:endParaRPr lang="en-US"/>
           </a:p>
         </p:txBody>
       </p:sp>
@@ -2204,7 +2205,7 @@
           <a:p>
             <a:pPr lvl="0"/>
             <a:r>
-              <a:rPr lang="en-US" smtClean="0"/>
+              <a:rPr lang="en-US"/>
               <a:t>Click to edit Master text styles</a:t>
             </a:r>
           </a:p>
@@ -2260,38 +2261,37 @@
           <a:p>
             <a:pPr lvl="0"/>
             <a:r>
-              <a:rPr lang="en-US" smtClean="0"/>
+              <a:rPr lang="en-US"/>
               <a:t>Click to edit Master text styles</a:t>
             </a:r>
           </a:p>
           <a:p>
             <a:pPr lvl="1"/>
             <a:r>
-              <a:rPr lang="en-US" smtClean="0"/>
+              <a:rPr lang="en-US"/>
               <a:t>Second level</a:t>
             </a:r>
           </a:p>
           <a:p>
             <a:pPr lvl="2"/>
             <a:r>
-              <a:rPr lang="en-US" smtClean="0"/>
+              <a:rPr lang="en-US"/>
               <a:t>Third level</a:t>
             </a:r>
           </a:p>
           <a:p>
             <a:pPr lvl="3"/>
             <a:r>
-              <a:rPr lang="en-US" smtClean="0"/>
+              <a:rPr lang="en-US"/>
               <a:t>Fourth level</a:t>
             </a:r>
           </a:p>
           <a:p>
             <a:pPr lvl="4"/>
             <a:r>
-              <a:rPr lang="en-US" smtClean="0"/>
+              <a:rPr lang="en-US"/>
               <a:t>Fifth level</a:t>
             </a:r>
-            <a:endParaRPr lang="en-US"/>
           </a:p>
         </p:txBody>
       </p:sp>
@@ -2312,7 +2312,7 @@
           <a:p>
             <a:fld id="{4B70224D-79E9-594A-99A3-1E11BDA7D56C}" type="datetime1">
               <a:rPr lang="en-US" smtClean="0"/>
-              <a:t>6/13/19</a:t>
+              <a:t>1/7/21</a:t>
             </a:fld>
             <a:endParaRPr lang="en-US"/>
           </a:p>
@@ -2406,10 +2406,9 @@
           <a:lstStyle/>
           <a:p>
             <a:r>
-              <a:rPr lang="en-US" smtClean="0"/>
+              <a:rPr lang="en-US"/>
               <a:t>Click to edit Master title style</a:t>
             </a:r>
-            <a:endParaRPr lang="en-US"/>
           </a:p>
         </p:txBody>
       </p:sp>
@@ -2430,7 +2429,7 @@
           <a:p>
             <a:fld id="{0BC421F0-1F56-384F-862A-BA06B2F8EEFD}" type="datetime1">
               <a:rPr lang="en-US" smtClean="0"/>
-              <a:t>6/13/19</a:t>
+              <a:t>1/7/21</a:t>
             </a:fld>
             <a:endParaRPr lang="en-US"/>
           </a:p>
@@ -2525,7 +2524,7 @@
           <a:p>
             <a:fld id="{7154B9DB-A4C6-D845-BBE4-4BB6B955FAE9}" type="datetime1">
               <a:rPr lang="en-US" smtClean="0"/>
-              <a:t>6/13/19</a:t>
+              <a:t>1/7/21</a:t>
             </a:fld>
             <a:endParaRPr lang="en-US"/>
           </a:p>
@@ -2628,10 +2627,9 @@
           </a:lstStyle>
           <a:p>
             <a:r>
-              <a:rPr lang="en-US" smtClean="0"/>
+              <a:rPr lang="en-US"/>
               <a:t>Click to edit Master title style</a:t>
             </a:r>
-            <a:endParaRPr lang="en-US"/>
           </a:p>
         </p:txBody>
       </p:sp>
@@ -2685,38 +2683,37 @@
           <a:p>
             <a:pPr lvl="0"/>
             <a:r>
-              <a:rPr lang="en-US" smtClean="0"/>
+              <a:rPr lang="en-US"/>
               <a:t>Click to edit Master text styles</a:t>
             </a:r>
           </a:p>
           <a:p>
             <a:pPr lvl="1"/>
             <a:r>
-              <a:rPr lang="en-US" smtClean="0"/>
+              <a:rPr lang="en-US"/>
               <a:t>Second level</a:t>
             </a:r>
           </a:p>
           <a:p>
             <a:pPr lvl="2"/>
             <a:r>
-              <a:rPr lang="en-US" smtClean="0"/>
+              <a:rPr lang="en-US"/>
               <a:t>Third level</a:t>
             </a:r>
           </a:p>
           <a:p>
             <a:pPr lvl="3"/>
             <a:r>
-              <a:rPr lang="en-US" smtClean="0"/>
+              <a:rPr lang="en-US"/>
               <a:t>Fourth level</a:t>
             </a:r>
           </a:p>
           <a:p>
             <a:pPr lvl="4"/>
             <a:r>
-              <a:rPr lang="en-US" smtClean="0"/>
+              <a:rPr lang="en-US"/>
               <a:t>Fifth level</a:t>
             </a:r>
-            <a:endParaRPr lang="en-US"/>
           </a:p>
         </p:txBody>
       </p:sp>
@@ -2779,7 +2776,7 @@
           <a:p>
             <a:pPr lvl="0"/>
             <a:r>
-              <a:rPr lang="en-US" smtClean="0"/>
+              <a:rPr lang="en-US"/>
               <a:t>Click to edit Master text styles</a:t>
             </a:r>
           </a:p>
@@ -2802,7 +2799,7 @@
           <a:p>
             <a:fld id="{5A2568A1-49E9-B242-8D67-6FA3E349A5C3}" type="datetime1">
               <a:rPr lang="en-US" smtClean="0"/>
-              <a:t>6/13/19</a:t>
+              <a:t>1/7/21</a:t>
             </a:fld>
             <a:endParaRPr lang="en-US"/>
           </a:p>
@@ -2905,10 +2902,9 @@
           </a:lstStyle>
           <a:p>
             <a:r>
-              <a:rPr lang="en-US" smtClean="0"/>
+              <a:rPr lang="en-US"/>
               <a:t>Click to edit Master title style</a:t>
             </a:r>
-            <a:endParaRPr lang="en-US"/>
           </a:p>
         </p:txBody>
       </p:sp>
@@ -3032,7 +3028,7 @@
           <a:p>
             <a:pPr lvl="0"/>
             <a:r>
-              <a:rPr lang="en-US" smtClean="0"/>
+              <a:rPr lang="en-US"/>
               <a:t>Click to edit Master text styles</a:t>
             </a:r>
           </a:p>
@@ -3055,7 +3051,7 @@
           <a:p>
             <a:fld id="{A6E06765-FB44-5F40-8A5E-324745C1D5B5}" type="datetime1">
               <a:rPr lang="en-US" smtClean="0"/>
-              <a:t>6/13/19</a:t>
+              <a:t>1/7/21</a:t>
             </a:fld>
             <a:endParaRPr lang="en-US"/>
           </a:p>
@@ -3164,10 +3160,9 @@
           <a:lstStyle/>
           <a:p>
             <a:r>
-              <a:rPr lang="en-US" smtClean="0"/>
+              <a:rPr lang="en-US"/>
               <a:t>Click to edit Master title style</a:t>
             </a:r>
-            <a:endParaRPr lang="en-US"/>
           </a:p>
         </p:txBody>
       </p:sp>
@@ -3198,38 +3193,37 @@
           <a:p>
             <a:pPr lvl="0"/>
             <a:r>
-              <a:rPr lang="en-US" smtClean="0"/>
+              <a:rPr lang="en-US"/>
               <a:t>Click to edit Master text styles</a:t>
             </a:r>
           </a:p>
           <a:p>
             <a:pPr lvl="1"/>
             <a:r>
-              <a:rPr lang="en-US" smtClean="0"/>
+              <a:rPr lang="en-US"/>
               <a:t>Second level</a:t>
             </a:r>
           </a:p>
           <a:p>
             <a:pPr lvl="2"/>
             <a:r>
-              <a:rPr lang="en-US" smtClean="0"/>
+              <a:rPr lang="en-US"/>
               <a:t>Third level</a:t>
             </a:r>
           </a:p>
           <a:p>
             <a:pPr lvl="3"/>
             <a:r>
-              <a:rPr lang="en-US" smtClean="0"/>
+              <a:rPr lang="en-US"/>
               <a:t>Fourth level</a:t>
             </a:r>
           </a:p>
           <a:p>
             <a:pPr lvl="4"/>
             <a:r>
-              <a:rPr lang="en-US" smtClean="0"/>
+              <a:rPr lang="en-US"/>
               <a:t>Fifth level</a:t>
             </a:r>
-            <a:endParaRPr lang="en-US"/>
           </a:p>
         </p:txBody>
       </p:sp>
@@ -3268,7 +3262,7 @@
           <a:p>
             <a:fld id="{EA261AF2-CBDC-B64C-850E-07DDAF64AA4E}" type="datetime1">
               <a:rPr lang="en-US" smtClean="0"/>
-              <a:t>6/13/19</a:t>
+              <a:t>1/7/21</a:t>
             </a:fld>
             <a:endParaRPr lang="en-US"/>
           </a:p>
@@ -3660,17 +3654,16 @@
           <a:lstStyle/>
           <a:p>
             <a:r>
-              <a:rPr lang="en-US" dirty="0" smtClean="0"/>
+              <a:rPr lang="en-US" dirty="0"/>
               <a:t>R Workshop, Part 3</a:t>
             </a:r>
             <a:br>
-              <a:rPr lang="en-US" dirty="0" smtClean="0"/>
+              <a:rPr lang="en-US" dirty="0"/>
             </a:br>
             <a:r>
-              <a:rPr lang="en-US" dirty="0" smtClean="0"/>
+              <a:rPr lang="en-US" dirty="0"/>
               <a:t>(Regression &amp; Graphics)</a:t>
             </a:r>
-            <a:endParaRPr lang="en-US" dirty="0"/>
           </a:p>
         </p:txBody>
       </p:sp>
@@ -3704,8 +3697,8 @@
           </a:p>
           <a:p>
             <a:r>
-              <a:rPr lang="en-US"/>
-              <a:t>SER 2019</a:t>
+              <a:rPr lang="en-US" dirty="0"/>
+              <a:t>SER 2020</a:t>
             </a:r>
           </a:p>
           <a:p>
@@ -3771,14 +3764,14 @@
           </a:ln>
           <a:extLst>
             <a:ext uri="{909E8E84-426E-40dd-AFC4-6F175D3DCCD1}">
-              <a14:hiddenFill xmlns:a14="http://schemas.microsoft.com/office/drawing/2010/main">
+              <a14:hiddenFill xmlns:a14="http://schemas.microsoft.com/office/drawing/2010/main" xmlns="">
                 <a:solidFill>
                   <a:schemeClr val="accent1"/>
                 </a:solidFill>
               </a14:hiddenFill>
             </a:ext>
             <a:ext uri="{91240B29-F687-4f45-9708-019B960494DF}">
-              <a14:hiddenLine xmlns:a14="http://schemas.microsoft.com/office/drawing/2010/main" w="9525">
+              <a14:hiddenLine xmlns:a14="http://schemas.microsoft.com/office/drawing/2010/main" xmlns="" w="9525">
                 <a:solidFill>
                   <a:schemeClr val="tx1"/>
                 </a:solidFill>
@@ -3825,14 +3818,14 @@
           </a:ln>
           <a:extLst>
             <a:ext uri="{909E8E84-426E-40dd-AFC4-6F175D3DCCD1}">
-              <a14:hiddenFill xmlns:a14="http://schemas.microsoft.com/office/drawing/2010/main">
+              <a14:hiddenFill xmlns:a14="http://schemas.microsoft.com/office/drawing/2010/main" xmlns="">
                 <a:solidFill>
                   <a:schemeClr val="accent1"/>
                 </a:solidFill>
               </a14:hiddenFill>
             </a:ext>
             <a:ext uri="{91240B29-F687-4f45-9708-019B960494DF}">
-              <a14:hiddenLine xmlns:a14="http://schemas.microsoft.com/office/drawing/2010/main" w="9525">
+              <a14:hiddenLine xmlns:a14="http://schemas.microsoft.com/office/drawing/2010/main" xmlns="" w="9525">
                 <a:solidFill>
                   <a:schemeClr val="tx1"/>
                 </a:solidFill>
@@ -3854,13 +3847,6 @@
   <p:clrMapOvr>
     <a:masterClrMapping/>
   </p:clrMapOvr>
-  <p:timing>
-    <p:tnLst>
-      <p:par>
-        <p:cTn xmlns:p14="http://schemas.microsoft.com/office/powerpoint/2010/main" id="1" dur="indefinite" restart="never" nodeType="tmRoot"/>
-      </p:par>
-    </p:tnLst>
-  </p:timing>
 </p:sld>
 </file>
 
@@ -3897,10 +3883,9 @@
           <a:lstStyle/>
           <a:p>
             <a:r>
-              <a:rPr lang="en-US" dirty="0" smtClean="0"/>
+              <a:rPr lang="en-US" dirty="0"/>
               <a:t>Challenge</a:t>
             </a:r>
-            <a:endParaRPr lang="en-US" dirty="0"/>
           </a:p>
         </p:txBody>
       </p:sp>
@@ -3925,10 +3910,9 @@
           <a:lstStyle/>
           <a:p>
             <a:r>
-              <a:rPr lang="en-US" dirty="0" smtClean="0"/>
+              <a:rPr lang="en-US" dirty="0"/>
               <a:t>Using the Duncan dataset and regression diagnostics, find the occupation that has the largest prestige bump not predicted by education  (i.e. has most positive residual)</a:t>
             </a:r>
-            <a:endParaRPr lang="en-US" dirty="0"/>
           </a:p>
         </p:txBody>
       </p:sp>
@@ -3955,13 +3939,13 @@
           <a:lstStyle/>
           <a:p>
             <a:r>
-              <a:rPr lang="en-US" dirty="0" smtClean="0"/>
+              <a:rPr lang="en-US" dirty="0"/>
               <a:t>My answer:</a:t>
             </a:r>
           </a:p>
           <a:p>
             <a:r>
-              <a:rPr lang="en-US" dirty="0" smtClean="0"/>
+              <a:rPr lang="en-US" dirty="0"/>
               <a:t>plot(model)</a:t>
             </a:r>
           </a:p>
@@ -4003,14 +3987,14 @@
           <a:effectLst/>
           <a:extLst>
             <a:ext uri="{909E8E84-426E-40dd-AFC4-6F175D3DCCD1}">
-              <a14:hiddenFill xmlns:a14="http://schemas.microsoft.com/office/drawing/2010/main">
+              <a14:hiddenFill xmlns:a14="http://schemas.microsoft.com/office/drawing/2010/main" xmlns="">
                 <a:solidFill>
                   <a:schemeClr val="accent1"/>
                 </a:solidFill>
               </a14:hiddenFill>
             </a:ext>
             <a:ext uri="{91240B29-F687-4f45-9708-019B960494DF}">
-              <a14:hiddenLine xmlns:a14="http://schemas.microsoft.com/office/drawing/2010/main" w="9525">
+              <a14:hiddenLine xmlns:a14="http://schemas.microsoft.com/office/drawing/2010/main" xmlns="" w="9525">
                 <a:solidFill>
                   <a:schemeClr val="tx1"/>
                 </a:solidFill>
@@ -4020,7 +4004,7 @@
               </a14:hiddenLine>
             </a:ext>
             <a:ext uri="{AF507438-7753-43e0-B8FC-AC1667EBCBE1}">
-              <a14:hiddenEffects xmlns:a14="http://schemas.microsoft.com/office/drawing/2010/main">
+              <a14:hiddenEffects xmlns:a14="http://schemas.microsoft.com/office/drawing/2010/main" xmlns="">
                 <a:effectLst>
                   <a:outerShdw dist="35921" dir="2700000" algn="ctr" rotWithShape="0">
                     <a:schemeClr val="bg2"/>
@@ -4054,10 +4038,9 @@
           <a:lstStyle/>
           <a:p>
             <a:r>
-              <a:rPr lang="en-US" dirty="0" smtClean="0"/>
+              <a:rPr lang="en-US" dirty="0"/>
               <a:t>Prestige!  Because of 3-year olds</a:t>
             </a:r>
-            <a:endParaRPr lang="en-US" dirty="0"/>
           </a:p>
         </p:txBody>
       </p:sp>
@@ -4097,7 +4080,7 @@
   <p:timing>
     <p:tnLst>
       <p:par>
-        <p:cTn xmlns:p14="http://schemas.microsoft.com/office/powerpoint/2010/main" id="1" dur="indefinite" restart="never" nodeType="tmRoot">
+        <p:cTn id="1" dur="indefinite" restart="never" nodeType="tmRoot">
           <p:childTnLst>
             <p:seq concurrent="1" nextAc="seek">
               <p:cTn id="2" dur="indefinite" nodeType="mainSeq">
@@ -4264,7 +4247,7 @@
           <a:p>
             <a:pPr eaLnBrk="1" hangingPunct="1"/>
             <a:r>
-              <a:rPr lang="en-US" altLang="en-US" smtClean="0"/>
+              <a:rPr lang="en-US" altLang="en-US"/>
               <a:t>Base Graphics</a:t>
             </a:r>
           </a:p>
@@ -4287,51 +4270,51 @@
           <a:p>
             <a:pPr eaLnBrk="1" hangingPunct="1"/>
             <a:r>
-              <a:rPr lang="en-US" altLang="en-US" dirty="0" smtClean="0"/>
+              <a:rPr lang="en-US" altLang="en-US" dirty="0"/>
               <a:t>R has two main flavors of graphics:</a:t>
             </a:r>
           </a:p>
           <a:p>
             <a:pPr lvl="1" eaLnBrk="1" hangingPunct="1"/>
             <a:r>
-              <a:rPr lang="en-US" altLang="en-US" dirty="0" smtClean="0"/>
+              <a:rPr lang="en-US" altLang="en-US" dirty="0"/>
               <a:t>'base' graphics</a:t>
             </a:r>
           </a:p>
           <a:p>
             <a:pPr lvl="1" eaLnBrk="1" hangingPunct="1"/>
             <a:r>
-              <a:rPr lang="en-US" altLang="en-US" dirty="0" smtClean="0"/>
+              <a:rPr lang="en-US" altLang="en-US" dirty="0"/>
               <a:t>'</a:t>
             </a:r>
             <a:r>
-              <a:rPr lang="en-US" altLang="en-US" dirty="0" err="1" smtClean="0"/>
+              <a:rPr lang="en-US" altLang="en-US" dirty="0" err="1"/>
               <a:t>ggplot</a:t>
             </a:r>
             <a:r>
-              <a:rPr lang="en-US" altLang="en-US" dirty="0" smtClean="0"/>
+              <a:rPr lang="en-US" altLang="en-US" dirty="0"/>
               <a:t>', which is increasingly popular</a:t>
             </a:r>
           </a:p>
           <a:p>
             <a:pPr eaLnBrk="1" hangingPunct="1"/>
-            <a:endParaRPr lang="en-US" altLang="en-US" dirty="0" smtClean="0"/>
+            <a:endParaRPr lang="en-US" altLang="en-US" dirty="0"/>
           </a:p>
           <a:p>
             <a:pPr eaLnBrk="1" hangingPunct="1"/>
             <a:r>
-              <a:rPr lang="en-US" altLang="en-US" dirty="0" smtClean="0"/>
+              <a:rPr lang="en-US" altLang="en-US" dirty="0"/>
               <a:t>We'll cover base graphics first, then </a:t>
             </a:r>
             <a:r>
-              <a:rPr lang="en-US" altLang="en-US" dirty="0" err="1" smtClean="0"/>
+              <a:rPr lang="en-US" altLang="en-US" dirty="0" err="1"/>
               <a:t>ggplot</a:t>
             </a:r>
-            <a:endParaRPr lang="en-US" altLang="en-US" dirty="0" smtClean="0"/>
+            <a:endParaRPr lang="en-US" altLang="en-US" dirty="0"/>
           </a:p>
           <a:p>
             <a:pPr lvl="1" eaLnBrk="1" hangingPunct="1"/>
-            <a:endParaRPr lang="en-US" altLang="en-US" dirty="0" smtClean="0"/>
+            <a:endParaRPr lang="en-US" altLang="en-US" dirty="0"/>
           </a:p>
         </p:txBody>
       </p:sp>
@@ -4368,13 +4351,6 @@
   <p:clrMapOvr>
     <a:masterClrMapping/>
   </p:clrMapOvr>
-  <p:timing>
-    <p:tnLst>
-      <p:par>
-        <p:cTn xmlns:p14="http://schemas.microsoft.com/office/powerpoint/2010/main" id="1" dur="indefinite" restart="never" nodeType="tmRoot"/>
-      </p:par>
-    </p:tnLst>
-  </p:timing>
 </p:sld>
 </file>
 
@@ -4412,7 +4388,7 @@
           <a:p>
             <a:pPr eaLnBrk="1" hangingPunct="1"/>
             <a:r>
-              <a:rPr lang="en-US" altLang="en-US" smtClean="0"/>
+              <a:rPr lang="en-US" altLang="en-US"/>
               <a:t>Getting started</a:t>
             </a:r>
           </a:p>
@@ -4435,58 +4411,58 @@
           <a:p>
             <a:pPr eaLnBrk="1" hangingPunct="1"/>
             <a:r>
-              <a:rPr lang="en-US" altLang="en-US" dirty="0" smtClean="0"/>
+              <a:rPr lang="en-US" altLang="en-US" dirty="0"/>
               <a:t>To plot any object, just wrap it in plot:</a:t>
             </a:r>
           </a:p>
           <a:p>
             <a:pPr lvl="1" eaLnBrk="1" hangingPunct="1"/>
             <a:r>
-              <a:rPr lang="en-US" altLang="en-US" dirty="0" smtClean="0"/>
+              <a:rPr lang="en-US" altLang="en-US" dirty="0"/>
               <a:t>plot(</a:t>
             </a:r>
             <a:r>
-              <a:rPr lang="en-US" altLang="en-US" dirty="0" err="1" smtClean="0"/>
+              <a:rPr lang="en-US" altLang="en-US" dirty="0" err="1"/>
               <a:t>Duncan$income</a:t>
             </a:r>
             <a:r>
-              <a:rPr lang="en-US" altLang="en-US" dirty="0" smtClean="0"/>
+              <a:rPr lang="en-US" altLang="en-US" dirty="0"/>
               <a:t>)</a:t>
             </a:r>
           </a:p>
           <a:p>
             <a:pPr lvl="1"/>
             <a:r>
-              <a:rPr lang="en-US" altLang="en-US" dirty="0" smtClean="0"/>
+              <a:rPr lang="en-US" altLang="en-US" dirty="0"/>
               <a:t>plot(</a:t>
             </a:r>
             <a:r>
-              <a:rPr lang="en-US" altLang="en-US" dirty="0" err="1" smtClean="0"/>
+              <a:rPr lang="en-US" altLang="en-US" dirty="0" err="1"/>
               <a:t>Duncan$type</a:t>
             </a:r>
             <a:r>
-              <a:rPr lang="en-US" altLang="en-US" dirty="0" smtClean="0"/>
+              <a:rPr lang="en-US" altLang="en-US" dirty="0"/>
               <a:t>)</a:t>
             </a:r>
           </a:p>
           <a:p>
             <a:pPr lvl="1" eaLnBrk="1" hangingPunct="1"/>
-            <a:endParaRPr lang="en-US" altLang="en-US" dirty="0" smtClean="0"/>
+            <a:endParaRPr lang="en-US" altLang="en-US" dirty="0"/>
           </a:p>
           <a:p>
             <a:pPr eaLnBrk="1" hangingPunct="1"/>
             <a:r>
-              <a:rPr lang="en-US" altLang="en-US" dirty="0" smtClean="0"/>
+              <a:rPr lang="en-US" altLang="en-US" dirty="0"/>
               <a:t>Intuition check: Why were these different?</a:t>
             </a:r>
           </a:p>
           <a:p>
             <a:pPr lvl="1" eaLnBrk="1" hangingPunct="1"/>
-            <a:endParaRPr lang="en-US" altLang="en-US" dirty="0" smtClean="0"/>
+            <a:endParaRPr lang="en-US" altLang="en-US" dirty="0"/>
           </a:p>
           <a:p>
             <a:pPr lvl="1" eaLnBrk="1" hangingPunct="1"/>
-            <a:endParaRPr lang="en-US" altLang="en-US" dirty="0" smtClean="0"/>
+            <a:endParaRPr lang="en-US" altLang="en-US" dirty="0"/>
           </a:p>
         </p:txBody>
       </p:sp>
@@ -4523,13 +4499,6 @@
   <p:clrMapOvr>
     <a:masterClrMapping/>
   </p:clrMapOvr>
-  <p:timing>
-    <p:tnLst>
-      <p:par>
-        <p:cTn xmlns:p14="http://schemas.microsoft.com/office/powerpoint/2010/main" id="1" dur="indefinite" restart="never" nodeType="tmRoot"/>
-      </p:par>
-    </p:tnLst>
-  </p:timing>
 </p:sld>
 </file>
 
@@ -4567,7 +4536,7 @@
           <a:p>
             <a:pPr eaLnBrk="1" hangingPunct="1"/>
             <a:r>
-              <a:rPr lang="en-US" altLang="en-US" smtClean="0"/>
+              <a:rPr lang="en-US" altLang="en-US"/>
               <a:t>Histogram</a:t>
             </a:r>
           </a:p>
@@ -4590,26 +4559,26 @@
           <a:p>
             <a:pPr eaLnBrk="1" hangingPunct="1"/>
             <a:r>
-              <a:rPr lang="en-US" altLang="en-US" dirty="0" smtClean="0"/>
+              <a:rPr lang="en-US" altLang="en-US" dirty="0"/>
               <a:t>But wouldn’t a histogram be more informative?</a:t>
             </a:r>
           </a:p>
           <a:p>
             <a:pPr lvl="1" eaLnBrk="1" hangingPunct="1"/>
             <a:r>
-              <a:rPr lang="en-US" altLang="en-US" dirty="0" err="1" smtClean="0"/>
+              <a:rPr lang="en-US" altLang="en-US" dirty="0" err="1"/>
               <a:t>hist</a:t>
             </a:r>
             <a:r>
-              <a:rPr lang="en-US" altLang="en-US" dirty="0" smtClean="0"/>
+              <a:rPr lang="en-US" altLang="en-US" dirty="0"/>
               <a:t>(</a:t>
             </a:r>
             <a:r>
-              <a:rPr lang="en-US" altLang="en-US" dirty="0" err="1" smtClean="0"/>
+              <a:rPr lang="en-US" altLang="en-US" dirty="0" err="1"/>
               <a:t>Duncan$income</a:t>
             </a:r>
             <a:r>
-              <a:rPr lang="en-US" altLang="en-US" dirty="0" smtClean="0"/>
+              <a:rPr lang="en-US" altLang="en-US" dirty="0"/>
               <a:t>)</a:t>
             </a:r>
           </a:p>
@@ -4619,7 +4588,7 @@
           </a:p>
           <a:p>
             <a:r>
-              <a:rPr lang="en-US" altLang="en-US" dirty="0" smtClean="0"/>
+              <a:rPr lang="en-US" altLang="en-US" dirty="0"/>
               <a:t>Can change up the binning using breaks:</a:t>
             </a:r>
           </a:p>
@@ -4651,7 +4620,7 @@
             </a:r>
           </a:p>
           <a:p>
-            <a:endParaRPr lang="en-US" altLang="en-US" dirty="0" smtClean="0"/>
+            <a:endParaRPr lang="en-US" altLang="en-US" dirty="0"/>
           </a:p>
         </p:txBody>
       </p:sp>
@@ -4688,13 +4657,6 @@
   <p:clrMapOvr>
     <a:masterClrMapping/>
   </p:clrMapOvr>
-  <p:timing>
-    <p:tnLst>
-      <p:par>
-        <p:cTn xmlns:p14="http://schemas.microsoft.com/office/powerpoint/2010/main" id="1" dur="indefinite" restart="never" nodeType="tmRoot"/>
-      </p:par>
-    </p:tnLst>
-  </p:timing>
 </p:sld>
 </file>
 
@@ -4732,7 +4694,7 @@
           <a:p>
             <a:pPr eaLnBrk="1" hangingPunct="1"/>
             <a:r>
-              <a:rPr lang="en-US" altLang="en-US" smtClean="0"/>
+              <a:rPr lang="en-US" altLang="en-US"/>
               <a:t>Scatterplot</a:t>
             </a:r>
           </a:p>
@@ -4764,10 +4726,9 @@
               <a:defRPr/>
             </a:pPr>
             <a:r>
-              <a:rPr lang="en-US" dirty="0" smtClean="0"/>
+              <a:rPr lang="en-US" dirty="0"/>
               <a:t>A scatterplot comparing income (x-axis) to prestige (y-axis):</a:t>
             </a:r>
-            <a:endParaRPr lang="en-US" dirty="0"/>
           </a:p>
           <a:p>
             <a:pPr lvl="1" eaLnBrk="1" fontAlgn="auto" hangingPunct="1">
@@ -4779,23 +4740,23 @@
               <a:defRPr/>
             </a:pPr>
             <a:r>
-              <a:rPr lang="en-US" dirty="0" smtClean="0"/>
+              <a:rPr lang="en-US" dirty="0"/>
               <a:t>plot(</a:t>
             </a:r>
             <a:r>
-              <a:rPr lang="en-US" dirty="0" err="1" smtClean="0"/>
+              <a:rPr lang="en-US" dirty="0" err="1"/>
               <a:t>Duncan$income</a:t>
             </a:r>
             <a:r>
-              <a:rPr lang="en-US" dirty="0" smtClean="0"/>
+              <a:rPr lang="en-US" dirty="0"/>
               <a:t>, </a:t>
             </a:r>
             <a:r>
-              <a:rPr lang="en-US" dirty="0" err="1" smtClean="0"/>
+              <a:rPr lang="en-US" dirty="0" err="1"/>
               <a:t>Duncan$prestige</a:t>
             </a:r>
             <a:r>
-              <a:rPr lang="en-US" dirty="0" smtClean="0"/>
+              <a:rPr lang="en-US" dirty="0"/>
               <a:t>)</a:t>
             </a:r>
           </a:p>
@@ -4854,7 +4815,7 @@
               <a:t>Duncan$income</a:t>
             </a:r>
             <a:r>
-              <a:rPr lang="en-US" dirty="0" smtClean="0"/>
+              <a:rPr lang="en-US" dirty="0"/>
               <a:t>)</a:t>
             </a:r>
           </a:p>
@@ -4863,7 +4824,7 @@
               <a:defRPr/>
             </a:pPr>
             <a:r>
-              <a:rPr lang="en-US" dirty="0" smtClean="0"/>
+              <a:rPr lang="en-US" dirty="0"/>
               <a:t>You can use type= to change the type of plot:</a:t>
             </a:r>
           </a:p>
@@ -4889,11 +4850,7 @@
             </a:r>
             <a:r>
               <a:rPr lang="en-US" dirty="0"/>
-              <a:t>, type="l</a:t>
-            </a:r>
-            <a:r>
-              <a:rPr lang="en-US" dirty="0" smtClean="0"/>
-              <a:t>")</a:t>
+              <a:t>, type="l")</a:t>
             </a:r>
           </a:p>
           <a:p>
@@ -4942,13 +4899,6 @@
   <p:clrMapOvr>
     <a:masterClrMapping/>
   </p:clrMapOvr>
-  <p:timing>
-    <p:tnLst>
-      <p:par>
-        <p:cTn xmlns:p14="http://schemas.microsoft.com/office/powerpoint/2010/main" id="1" dur="indefinite" restart="never" nodeType="tmRoot"/>
-      </p:par>
-    </p:tnLst>
-  </p:timing>
 </p:sld>
 </file>
 
@@ -4985,10 +4935,9 @@
           <a:lstStyle/>
           <a:p>
             <a:r>
-              <a:rPr lang="en-US" dirty="0" smtClean="0"/>
+              <a:rPr lang="en-US" dirty="0"/>
               <a:t>Plot titles</a:t>
             </a:r>
-            <a:endParaRPr lang="en-US" dirty="0"/>
           </a:p>
         </p:txBody>
       </p:sp>
@@ -5013,12 +4962,8 @@
               <a:defRPr/>
             </a:pPr>
             <a:r>
-              <a:rPr lang="en-US" dirty="0" smtClean="0"/>
-              <a:t>Add </a:t>
-            </a:r>
-            <a:r>
               <a:rPr lang="en-US" dirty="0"/>
-              <a:t>a title as another call or in the plot call using main=</a:t>
+              <a:t>Add a title as another call or in the plot call using main=</a:t>
             </a:r>
           </a:p>
           <a:p>
@@ -5058,39 +5003,7 @@
           <a:p>
             <a:r>
               <a:rPr lang="en-US" dirty="0"/>
-              <a:t>Some </a:t>
-            </a:r>
-            <a:r>
-              <a:rPr lang="en-US" dirty="0" smtClean="0"/>
-              <a:t>plots </a:t>
-            </a:r>
-            <a:r>
-              <a:rPr lang="en-US" dirty="0"/>
-              <a:t>create titles by </a:t>
-            </a:r>
-            <a:r>
-              <a:rPr lang="en-US" dirty="0" smtClean="0"/>
-              <a:t>default, use main="" to suppress it</a:t>
-            </a:r>
-            <a:endParaRPr lang="en-US" dirty="0"/>
-          </a:p>
-          <a:p>
-            <a:pPr lvl="1"/>
-            <a:r>
-              <a:rPr lang="en-US" dirty="0" err="1" smtClean="0"/>
-              <a:t>hist</a:t>
-            </a:r>
-            <a:r>
-              <a:rPr lang="en-US" dirty="0" smtClean="0"/>
-              <a:t>(</a:t>
-            </a:r>
-            <a:r>
-              <a:rPr lang="en-US" dirty="0" err="1" smtClean="0"/>
-              <a:t>Duncan$income</a:t>
-            </a:r>
-            <a:r>
-              <a:rPr lang="en-US" dirty="0" smtClean="0"/>
-              <a:t>)</a:t>
+              <a:t>Some plots create titles by default, use main="" to suppress it</a:t>
             </a:r>
           </a:p>
           <a:p>
@@ -5109,22 +5022,33 @@
             </a:r>
             <a:r>
               <a:rPr lang="en-US" dirty="0"/>
-              <a:t>, main</a:t>
-            </a:r>
-            <a:r>
-              <a:rPr lang="en-US" dirty="0" smtClean="0"/>
-              <a:t>="")</a:t>
+              <a:t>)</a:t>
             </a:r>
           </a:p>
           <a:p>
             <a:pPr lvl="1"/>
             <a:r>
-              <a:rPr lang="en-US" dirty="0" smtClean="0"/>
-              <a:t>title</a:t>
+              <a:rPr lang="en-US" dirty="0" err="1"/>
+              <a:t>hist</a:t>
             </a:r>
             <a:r>
               <a:rPr lang="en-US" dirty="0"/>
-              <a:t>("I decide the title, </a:t>
+              <a:t>(</a:t>
+            </a:r>
+            <a:r>
+              <a:rPr lang="en-US" dirty="0" err="1"/>
+              <a:t>Duncan$income</a:t>
+            </a:r>
+            <a:r>
+              <a:rPr lang="en-US" dirty="0"/>
+              <a:t>, main="")</a:t>
+            </a:r>
+          </a:p>
+          <a:p>
+            <a:pPr lvl="1"/>
+            <a:r>
+              <a:rPr lang="en-US" dirty="0"/>
+              <a:t>title("I decide the title, </a:t>
             </a:r>
             <a:r>
               <a:rPr lang="en-US" dirty="0" err="1"/>
@@ -5170,13 +5094,6 @@
   <p:clrMapOvr>
     <a:masterClrMapping/>
   </p:clrMapOvr>
-  <p:timing>
-    <p:tnLst>
-      <p:par>
-        <p:cTn xmlns:p14="http://schemas.microsoft.com/office/powerpoint/2010/main" id="1" dur="indefinite" restart="never" nodeType="tmRoot"/>
-      </p:par>
-    </p:tnLst>
-  </p:timing>
 </p:sld>
 </file>
 
@@ -5214,7 +5131,7 @@
           <a:p>
             <a:pPr eaLnBrk="1" hangingPunct="1"/>
             <a:r>
-              <a:rPr lang="en-US" altLang="en-US" dirty="0" smtClean="0"/>
+              <a:rPr lang="en-US" altLang="en-US" dirty="0"/>
               <a:t>Fiddling</a:t>
             </a:r>
           </a:p>
@@ -5239,7 +5156,7 @@
           <a:p>
             <a:pPr eaLnBrk="1" hangingPunct="1"/>
             <a:r>
-              <a:rPr lang="en-US" altLang="en-US" dirty="0" smtClean="0"/>
+              <a:rPr lang="en-US" altLang="en-US" dirty="0"/>
               <a:t>Look at the scatterplot again:</a:t>
             </a:r>
           </a:p>
@@ -5258,95 +5175,94 @@
               <a:t>, </a:t>
             </a:r>
             <a:r>
-              <a:rPr lang="en-US" altLang="en-US" dirty="0" err="1" smtClean="0"/>
+              <a:rPr lang="en-US" altLang="en-US" dirty="0" err="1"/>
               <a:t>Duncan$prestige</a:t>
             </a:r>
             <a:r>
-              <a:rPr lang="en-US" altLang="en-US" dirty="0" smtClean="0"/>
+              <a:rPr lang="en-US" altLang="en-US" dirty="0"/>
               <a:t>)</a:t>
             </a:r>
+          </a:p>
+          <a:p>
+            <a:pPr eaLnBrk="1" hangingPunct="1"/>
+            <a:r>
+              <a:rPr lang="en-US" altLang="en-US" dirty="0"/>
+              <a:t>Why doesn't income have ticks at 0 and 100 but prestige does?</a:t>
+            </a:r>
+          </a:p>
+          <a:p>
+            <a:pPr eaLnBrk="1" hangingPunct="1"/>
+            <a:r>
+              <a:rPr lang="en-US" altLang="en-US" dirty="0"/>
+              <a:t>Fiddle with plot parameters to override labels, default axis ranges, </a:t>
+            </a:r>
+            <a:r>
+              <a:rPr lang="en-US" altLang="en-US" dirty="0" err="1"/>
+              <a:t>etc</a:t>
+            </a:r>
+            <a:r>
+              <a:rPr lang="en-US" altLang="en-US" dirty="0"/>
+              <a:t>:</a:t>
+            </a:r>
+          </a:p>
+          <a:p>
+            <a:pPr lvl="1" eaLnBrk="1" hangingPunct="1"/>
+            <a:r>
+              <a:rPr lang="en-US" altLang="en-US" dirty="0"/>
+              <a:t>plot(</a:t>
+            </a:r>
+            <a:r>
+              <a:rPr lang="en-US" altLang="en-US" dirty="0" err="1"/>
+              <a:t>Duncan$income</a:t>
+            </a:r>
+            <a:r>
+              <a:rPr lang="en-US" altLang="en-US" dirty="0"/>
+              <a:t>, </a:t>
+            </a:r>
+            <a:r>
+              <a:rPr lang="en-US" altLang="en-US" dirty="0" err="1"/>
+              <a:t>Duncan$prestige</a:t>
+            </a:r>
+            <a:r>
+              <a:rPr lang="en-US" altLang="en-US" dirty="0"/>
+              <a:t>, </a:t>
+            </a:r>
+            <a:r>
+              <a:rPr lang="en-US" altLang="en-US" dirty="0" err="1"/>
+              <a:t>xlab</a:t>
+            </a:r>
+            <a:r>
+              <a:rPr lang="en-US" altLang="en-US" dirty="0"/>
+              <a:t>="Income", </a:t>
+            </a:r>
+            <a:r>
+              <a:rPr lang="en-US" altLang="en-US" dirty="0" err="1"/>
+              <a:t>ylab</a:t>
+            </a:r>
+            <a:r>
+              <a:rPr lang="en-US" altLang="en-US" dirty="0"/>
+              <a:t>="Prestige", </a:t>
+            </a:r>
+            <a:r>
+              <a:rPr lang="en-US" altLang="en-US" dirty="0" err="1"/>
+              <a:t>xlim</a:t>
+            </a:r>
+            <a:r>
+              <a:rPr lang="en-US" altLang="en-US" dirty="0"/>
+              <a:t>=c(0,100))</a:t>
+            </a:r>
+          </a:p>
+          <a:p>
+            <a:pPr lvl="1" eaLnBrk="1" hangingPunct="1"/>
             <a:endParaRPr lang="en-US" altLang="en-US" dirty="0"/>
           </a:p>
           <a:p>
-            <a:pPr eaLnBrk="1" hangingPunct="1"/>
-            <a:r>
-              <a:rPr lang="en-US" altLang="en-US" dirty="0" smtClean="0"/>
-              <a:t>Why doesn't income have ticks at 0 and 100 but prestige does?</a:t>
-            </a:r>
-          </a:p>
-          <a:p>
-            <a:pPr eaLnBrk="1" hangingPunct="1"/>
-            <a:r>
-              <a:rPr lang="en-US" altLang="en-US" dirty="0" smtClean="0"/>
-              <a:t>Fiddle with plot parameters to override labels, default axis ranges, </a:t>
-            </a:r>
-            <a:r>
-              <a:rPr lang="en-US" altLang="en-US" dirty="0" err="1" smtClean="0"/>
-              <a:t>etc</a:t>
-            </a:r>
-            <a:r>
-              <a:rPr lang="en-US" altLang="en-US" dirty="0" smtClean="0"/>
-              <a:t>:</a:t>
-            </a:r>
-          </a:p>
-          <a:p>
             <a:pPr lvl="1" eaLnBrk="1" hangingPunct="1"/>
-            <a:r>
-              <a:rPr lang="en-US" altLang="en-US" dirty="0" smtClean="0"/>
-              <a:t>plot(</a:t>
-            </a:r>
-            <a:r>
-              <a:rPr lang="en-US" altLang="en-US" dirty="0" err="1" smtClean="0"/>
-              <a:t>Duncan$income</a:t>
-            </a:r>
-            <a:r>
-              <a:rPr lang="en-US" altLang="en-US" dirty="0" smtClean="0"/>
-              <a:t>, </a:t>
-            </a:r>
-            <a:r>
-              <a:rPr lang="en-US" altLang="en-US" dirty="0" err="1" smtClean="0"/>
-              <a:t>Duncan$prestige</a:t>
-            </a:r>
-            <a:r>
-              <a:rPr lang="en-US" altLang="en-US" dirty="0" smtClean="0"/>
-              <a:t>, </a:t>
-            </a:r>
-            <a:r>
-              <a:rPr lang="en-US" altLang="en-US" dirty="0" err="1" smtClean="0"/>
-              <a:t>xlab</a:t>
-            </a:r>
-            <a:r>
-              <a:rPr lang="en-US" altLang="en-US" dirty="0" smtClean="0"/>
-              <a:t>="Income", </a:t>
-            </a:r>
-            <a:r>
-              <a:rPr lang="en-US" altLang="en-US" dirty="0" err="1" smtClean="0"/>
-              <a:t>ylab</a:t>
-            </a:r>
-            <a:r>
-              <a:rPr lang="en-US" altLang="en-US" dirty="0" smtClean="0"/>
-              <a:t>="Prestige", </a:t>
-            </a:r>
-            <a:r>
-              <a:rPr lang="en-US" altLang="en-US" dirty="0" err="1" smtClean="0"/>
-              <a:t>xlim</a:t>
-            </a:r>
-            <a:r>
-              <a:rPr lang="en-US" altLang="en-US" dirty="0" smtClean="0"/>
-              <a:t>=c(0,100))</a:t>
-            </a:r>
+            <a:endParaRPr lang="en-US" altLang="en-US" dirty="0"/>
           </a:p>
           <a:p>
             <a:pPr lvl="1" eaLnBrk="1" hangingPunct="1"/>
-            <a:endParaRPr lang="en-US" altLang="en-US" dirty="0" smtClean="0"/>
-          </a:p>
-          <a:p>
-            <a:pPr lvl="1" eaLnBrk="1" hangingPunct="1"/>
-            <a:endParaRPr lang="en-US" altLang="en-US" dirty="0" smtClean="0"/>
-          </a:p>
-          <a:p>
-            <a:pPr lvl="1" eaLnBrk="1" hangingPunct="1"/>
-            <a:endParaRPr lang="en-US" altLang="en-US" dirty="0" smtClean="0"/>
+            <a:endParaRPr lang="en-US" altLang="en-US" dirty="0"/>
           </a:p>
         </p:txBody>
       </p:sp>
@@ -5383,13 +5299,6 @@
   <p:clrMapOvr>
     <a:masterClrMapping/>
   </p:clrMapOvr>
-  <p:timing>
-    <p:tnLst>
-      <p:par>
-        <p:cTn xmlns:p14="http://schemas.microsoft.com/office/powerpoint/2010/main" id="1" dur="indefinite" restart="never" nodeType="tmRoot"/>
-      </p:par>
-    </p:tnLst>
-  </p:timing>
 </p:sld>
 </file>
 
@@ -5427,7 +5336,7 @@
           <a:p>
             <a:pPr eaLnBrk="1" hangingPunct="1"/>
             <a:r>
-              <a:rPr lang="en-US" altLang="en-US" dirty="0" smtClean="0"/>
+              <a:rPr lang="en-US" altLang="en-US" dirty="0"/>
               <a:t>More fiddling</a:t>
             </a:r>
           </a:p>
@@ -5450,41 +5359,33 @@
           <a:p>
             <a:pPr eaLnBrk="1" hangingPunct="1"/>
             <a:r>
-              <a:rPr lang="en-US" altLang="en-US" dirty="0" smtClean="0"/>
-              <a:t>Suppose you want to see how education affects the prestige/income relationship</a:t>
-            </a:r>
-            <a:r>
               <a:rPr lang="en-US" altLang="en-US" dirty="0"/>
-              <a:t> </a:t>
-            </a:r>
-            <a:r>
-              <a:rPr lang="en-US" altLang="en-US" dirty="0" smtClean="0"/>
-              <a:t>by treating jobs as high or low education </a:t>
+              <a:t>Suppose you want to see how education affects the prestige/income relationship by treating jobs as high or low education </a:t>
             </a:r>
           </a:p>
           <a:p>
             <a:pPr eaLnBrk="1" hangingPunct="1"/>
             <a:r>
-              <a:rPr lang="en-US" altLang="en-US" dirty="0" smtClean="0"/>
+              <a:rPr lang="en-US" altLang="en-US" dirty="0"/>
               <a:t>First, create a dichotomous variable for education and sanity-check it:</a:t>
             </a:r>
           </a:p>
           <a:p>
             <a:pPr lvl="1"/>
             <a:r>
-              <a:rPr lang="en-US" altLang="en-US" sz="2000" dirty="0" err="1" smtClean="0"/>
+              <a:rPr lang="en-US" altLang="en-US" sz="2000" dirty="0" err="1"/>
               <a:t>Duncan$high_education</a:t>
             </a:r>
             <a:r>
-              <a:rPr lang="en-US" altLang="en-US" sz="2000" dirty="0" smtClean="0"/>
+              <a:rPr lang="en-US" altLang="en-US" sz="2000" dirty="0"/>
               <a:t> &lt;- </a:t>
             </a:r>
             <a:r>
-              <a:rPr lang="en-US" altLang="en-US" sz="2000" dirty="0" err="1" smtClean="0"/>
+              <a:rPr lang="en-US" altLang="en-US" sz="2000" dirty="0" err="1"/>
               <a:t>Duncan$education</a:t>
             </a:r>
             <a:r>
-              <a:rPr lang="en-US" altLang="en-US" sz="2000" dirty="0" smtClean="0"/>
+              <a:rPr lang="en-US" altLang="en-US" sz="2000" dirty="0"/>
               <a:t> &gt; 50</a:t>
             </a:r>
           </a:p>
@@ -5499,7 +5400,7 @@
               <a:t>Duncan$high_education</a:t>
             </a:r>
             <a:r>
-              <a:rPr lang="en-US" altLang="en-US" sz="2000" dirty="0" smtClean="0"/>
+              <a:rPr lang="en-US" altLang="en-US" sz="2000" dirty="0"/>
               <a:t>)</a:t>
             </a:r>
           </a:p>
@@ -5522,14 +5423,13 @@
               <a:t>Duncan$education</a:t>
             </a:r>
             <a:r>
-              <a:rPr lang="en-US" altLang="en-US" sz="2000" dirty="0" smtClean="0"/>
+              <a:rPr lang="en-US" altLang="en-US" sz="2000" dirty="0"/>
               <a:t>)</a:t>
             </a:r>
+          </a:p>
+          <a:p>
+            <a:pPr lvl="1"/>
             <a:endParaRPr lang="en-US" altLang="en-US" sz="2000" dirty="0"/>
-          </a:p>
-          <a:p>
-            <a:pPr lvl="1"/>
-            <a:endParaRPr lang="en-US" altLang="en-US" sz="2000" dirty="0" smtClean="0"/>
           </a:p>
         </p:txBody>
       </p:sp>
@@ -5566,13 +5466,6 @@
   <p:clrMapOvr>
     <a:masterClrMapping/>
   </p:clrMapOvr>
-  <p:timing>
-    <p:tnLst>
-      <p:par>
-        <p:cTn xmlns:p14="http://schemas.microsoft.com/office/powerpoint/2010/main" id="1" dur="indefinite" restart="never" nodeType="tmRoot"/>
-      </p:par>
-    </p:tnLst>
-  </p:timing>
 </p:sld>
 </file>
 
@@ -5609,10 +5502,9 @@
           <a:lstStyle/>
           <a:p>
             <a:r>
-              <a:rPr lang="en-US" dirty="0" smtClean="0"/>
+              <a:rPr lang="en-US" dirty="0"/>
               <a:t>Adding color</a:t>
             </a:r>
-            <a:endParaRPr lang="en-US" dirty="0"/>
           </a:p>
         </p:txBody>
       </p:sp>
@@ -5634,43 +5526,36 @@
           <a:lstStyle/>
           <a:p>
             <a:r>
-              <a:rPr lang="en-US" dirty="0" smtClean="0"/>
+              <a:rPr lang="en-US" dirty="0"/>
               <a:t>There are different ways to color points by education, but none of them are all that elegant, in my opinion</a:t>
             </a:r>
           </a:p>
           <a:p>
             <a:r>
-              <a:rPr lang="en-US" dirty="0" smtClean="0"/>
+              <a:rPr lang="en-US" dirty="0"/>
               <a:t>Here's one option:</a:t>
             </a:r>
           </a:p>
           <a:p>
-            <a:endParaRPr lang="en-US" sz="1600" dirty="0" smtClean="0"/>
+            <a:endParaRPr lang="en-US" sz="1600" dirty="0"/>
           </a:p>
           <a:p>
             <a:pPr marL="0" indent="0">
               <a:buNone/>
             </a:pPr>
             <a:r>
-              <a:rPr lang="en-US" sz="1600" dirty="0" err="1" smtClean="0">
+              <a:rPr lang="en-US" sz="1600" dirty="0" err="1">
                 <a:latin typeface="Courier New" panose="02070309020205020404" pitchFamily="49" charset="0"/>
                 <a:cs typeface="Courier New" panose="02070309020205020404" pitchFamily="49" charset="0"/>
               </a:rPr>
               <a:t>Duncan$plot_color</a:t>
             </a:r>
             <a:r>
-              <a:rPr lang="en-US" sz="1600" dirty="0" smtClean="0">
-                <a:latin typeface="Courier New" panose="02070309020205020404" pitchFamily="49" charset="0"/>
-                <a:cs typeface="Courier New" panose="02070309020205020404" pitchFamily="49" charset="0"/>
-              </a:rPr>
-              <a:t> </a:t>
-            </a:r>
-            <a:r>
               <a:rPr lang="en-US" sz="1600" dirty="0">
                 <a:latin typeface="Courier New" panose="02070309020205020404" pitchFamily="49" charset="0"/>
                 <a:cs typeface="Courier New" panose="02070309020205020404" pitchFamily="49" charset="0"/>
               </a:rPr>
-              <a:t>&lt;- </a:t>
+              <a:t> &lt;- </a:t>
             </a:r>
             <a:r>
               <a:rPr lang="en-US" sz="1600" dirty="0" err="1">
@@ -5738,17 +5623,10 @@
                 <a:latin typeface="Courier New" panose="02070309020205020404" pitchFamily="49" charset="0"/>
                 <a:cs typeface="Courier New" panose="02070309020205020404" pitchFamily="49" charset="0"/>
               </a:rPr>
-              <a:t>, </a:t>
-            </a:r>
-            <a:r>
-              <a:rPr lang="en-US" sz="1600" dirty="0" smtClean="0">
-                <a:latin typeface="Courier New" panose="02070309020205020404" pitchFamily="49" charset="0"/>
-                <a:cs typeface="Courier New" panose="02070309020205020404" pitchFamily="49" charset="0"/>
-              </a:rPr>
-              <a:t>col=</a:t>
-            </a:r>
-            <a:r>
-              <a:rPr lang="en-US" sz="1600" dirty="0" err="1" smtClean="0">
+              <a:t>, col=</a:t>
+            </a:r>
+            <a:r>
+              <a:rPr lang="en-US" sz="1600" dirty="0" err="1">
                 <a:latin typeface="Courier New" panose="02070309020205020404" pitchFamily="49" charset="0"/>
                 <a:cs typeface="Courier New" panose="02070309020205020404" pitchFamily="49" charset="0"/>
               </a:rPr>
@@ -5763,22 +5641,21 @@
             </a:r>
           </a:p>
           <a:p>
-            <a:endParaRPr lang="en-US" dirty="0" smtClean="0"/>
-          </a:p>
-          <a:p>
-            <a:r>
-              <a:rPr lang="en-US" dirty="0" smtClean="0"/>
+            <a:endParaRPr lang="en-US" dirty="0"/>
+          </a:p>
+          <a:p>
+            <a:r>
+              <a:rPr lang="en-US" dirty="0"/>
               <a:t>Spoiler: </a:t>
             </a:r>
             <a:r>
-              <a:rPr lang="en-US" dirty="0" err="1" smtClean="0"/>
+              <a:rPr lang="en-US" dirty="0" err="1"/>
               <a:t>ggplot</a:t>
             </a:r>
             <a:r>
-              <a:rPr lang="en-US" dirty="0" smtClean="0"/>
+              <a:rPr lang="en-US" dirty="0"/>
               <a:t> makes this more elegant</a:t>
             </a:r>
-            <a:endParaRPr lang="en-US" dirty="0"/>
           </a:p>
         </p:txBody>
       </p:sp>
@@ -5815,13 +5692,6 @@
   <p:clrMapOvr>
     <a:masterClrMapping/>
   </p:clrMapOvr>
-  <p:timing>
-    <p:tnLst>
-      <p:par>
-        <p:cTn xmlns:p14="http://schemas.microsoft.com/office/powerpoint/2010/main" id="1" dur="indefinite" restart="never" nodeType="tmRoot"/>
-      </p:par>
-    </p:tnLst>
-  </p:timing>
 </p:sld>
 </file>
 
@@ -5859,7 +5729,7 @@
           <a:p>
             <a:pPr eaLnBrk="1" hangingPunct="1"/>
             <a:r>
-              <a:rPr lang="en-US" altLang="en-US" smtClean="0"/>
+              <a:rPr lang="en-US" altLang="en-US"/>
               <a:t>Bar plot</a:t>
             </a:r>
           </a:p>
@@ -5882,90 +5752,90 @@
           <a:p>
             <a:pPr eaLnBrk="1" hangingPunct="1"/>
             <a:r>
-              <a:rPr lang="en-US" altLang="en-US" dirty="0" smtClean="0"/>
+              <a:rPr lang="en-US" altLang="en-US" dirty="0"/>
               <a:t>Okay, now run this code:</a:t>
             </a:r>
           </a:p>
           <a:p>
             <a:pPr lvl="1" eaLnBrk="1" hangingPunct="1"/>
             <a:r>
-              <a:rPr lang="en-US" altLang="en-US" dirty="0" smtClean="0"/>
+              <a:rPr lang="en-US" altLang="en-US" dirty="0"/>
               <a:t>plot(</a:t>
             </a:r>
             <a:r>
-              <a:rPr lang="en-US" altLang="en-US" dirty="0" err="1" smtClean="0"/>
+              <a:rPr lang="en-US" altLang="en-US" dirty="0" err="1"/>
               <a:t>Duncan$type</a:t>
             </a:r>
             <a:r>
-              <a:rPr lang="en-US" altLang="en-US" dirty="0" smtClean="0"/>
+              <a:rPr lang="en-US" altLang="en-US" dirty="0"/>
               <a:t>, </a:t>
             </a:r>
             <a:r>
-              <a:rPr lang="en-US" altLang="en-US" dirty="0" err="1" smtClean="0"/>
+              <a:rPr lang="en-US" altLang="en-US" dirty="0" err="1"/>
               <a:t>Duncan$income</a:t>
             </a:r>
             <a:r>
-              <a:rPr lang="en-US" altLang="en-US" dirty="0" smtClean="0"/>
+              <a:rPr lang="en-US" altLang="en-US" dirty="0"/>
               <a:t>)</a:t>
             </a:r>
           </a:p>
           <a:p>
             <a:pPr eaLnBrk="1" hangingPunct="1"/>
             <a:r>
-              <a:rPr lang="en-US" altLang="en-US" dirty="0" smtClean="0"/>
+              <a:rPr lang="en-US" altLang="en-US" dirty="0"/>
               <a:t>Note that we don't get a scatterplot, because type is a factor:</a:t>
             </a:r>
           </a:p>
           <a:p>
             <a:pPr lvl="1"/>
             <a:r>
-              <a:rPr lang="en-US" altLang="en-US" dirty="0" smtClean="0"/>
+              <a:rPr lang="en-US" altLang="en-US" dirty="0"/>
               <a:t>class(</a:t>
             </a:r>
             <a:r>
-              <a:rPr lang="en-US" altLang="en-US" dirty="0" err="1" smtClean="0"/>
+              <a:rPr lang="en-US" altLang="en-US" dirty="0" err="1"/>
               <a:t>Duncan$type</a:t>
             </a:r>
             <a:r>
-              <a:rPr lang="en-US" altLang="en-US" dirty="0" smtClean="0"/>
+              <a:rPr lang="en-US" altLang="en-US" dirty="0"/>
               <a:t>)</a:t>
             </a:r>
           </a:p>
           <a:p>
             <a:pPr eaLnBrk="1" hangingPunct="1"/>
             <a:r>
-              <a:rPr lang="en-US" altLang="en-US" dirty="0" smtClean="0"/>
+              <a:rPr lang="en-US" altLang="en-US" dirty="0"/>
               <a:t>We can get one by coercing type to be a numeric:</a:t>
             </a:r>
           </a:p>
           <a:p>
             <a:pPr lvl="1" eaLnBrk="1" hangingPunct="1"/>
             <a:r>
-              <a:rPr lang="en-US" altLang="en-US" dirty="0" smtClean="0"/>
+              <a:rPr lang="en-US" altLang="en-US" dirty="0"/>
               <a:t>plot(</a:t>
             </a:r>
             <a:r>
-              <a:rPr lang="en-US" altLang="en-US" dirty="0" err="1" smtClean="0"/>
+              <a:rPr lang="en-US" altLang="en-US" dirty="0" err="1"/>
               <a:t>as.numeric</a:t>
             </a:r>
             <a:r>
-              <a:rPr lang="en-US" altLang="en-US" dirty="0" smtClean="0"/>
+              <a:rPr lang="en-US" altLang="en-US" dirty="0"/>
               <a:t>(</a:t>
             </a:r>
             <a:r>
-              <a:rPr lang="en-US" altLang="en-US" dirty="0" err="1" smtClean="0"/>
+              <a:rPr lang="en-US" altLang="en-US" dirty="0" err="1"/>
               <a:t>Duncan$type</a:t>
             </a:r>
             <a:r>
-              <a:rPr lang="en-US" altLang="en-US" dirty="0" smtClean="0"/>
+              <a:rPr lang="en-US" altLang="en-US" dirty="0"/>
               <a:t>), </a:t>
             </a:r>
             <a:r>
-              <a:rPr lang="en-US" altLang="en-US" dirty="0" err="1" smtClean="0"/>
+              <a:rPr lang="en-US" altLang="en-US" dirty="0" err="1"/>
               <a:t>Duncan$income</a:t>
             </a:r>
             <a:r>
-              <a:rPr lang="en-US" altLang="en-US" dirty="0" smtClean="0"/>
+              <a:rPr lang="en-US" altLang="en-US" dirty="0"/>
               <a:t>)</a:t>
             </a:r>
           </a:p>
@@ -6004,13 +5874,6 @@
   <p:clrMapOvr>
     <a:masterClrMapping/>
   </p:clrMapOvr>
-  <p:timing>
-    <p:tnLst>
-      <p:par>
-        <p:cTn xmlns:p14="http://schemas.microsoft.com/office/powerpoint/2010/main" id="1" dur="indefinite" restart="never" nodeType="tmRoot"/>
-      </p:par>
-    </p:tnLst>
-  </p:timing>
 </p:sld>
 </file>
 
@@ -6047,10 +5910,9 @@
           <a:lstStyle/>
           <a:p>
             <a:r>
-              <a:rPr lang="en-US" dirty="0" smtClean="0"/>
+              <a:rPr lang="en-US" dirty="0"/>
               <a:t>Review Challenge</a:t>
             </a:r>
-            <a:endParaRPr lang="en-US" dirty="0"/>
           </a:p>
         </p:txBody>
       </p:sp>
@@ -6075,18 +5937,17 @@
           <a:lstStyle/>
           <a:p>
             <a:r>
-              <a:rPr lang="en-US" dirty="0" smtClean="0"/>
+              <a:rPr lang="en-US" dirty="0"/>
               <a:t>Load the </a:t>
             </a:r>
             <a:r>
-              <a:rPr lang="en-US" dirty="0" err="1" smtClean="0"/>
+              <a:rPr lang="en-US" dirty="0" err="1"/>
               <a:t>USArrests</a:t>
             </a:r>
             <a:r>
-              <a:rPr lang="en-US" dirty="0" smtClean="0"/>
+              <a:rPr lang="en-US" dirty="0"/>
               <a:t> dataset (built into R) and print out the list of states, sorted by assault arrest rate </a:t>
             </a:r>
-            <a:endParaRPr lang="en-US" dirty="0"/>
           </a:p>
         </p:txBody>
       </p:sp>
@@ -6113,50 +5974,49 @@
           <a:lstStyle/>
           <a:p>
             <a:r>
-              <a:rPr lang="en-US" dirty="0" smtClean="0"/>
+              <a:rPr lang="en-US" dirty="0"/>
               <a:t>My answer:</a:t>
             </a:r>
           </a:p>
           <a:p>
             <a:r>
-              <a:rPr lang="en-US" dirty="0" smtClean="0"/>
+              <a:rPr lang="en-US" dirty="0"/>
               <a:t>data(</a:t>
             </a:r>
             <a:r>
-              <a:rPr lang="en-US" dirty="0" err="1" smtClean="0"/>
+              <a:rPr lang="en-US" dirty="0" err="1"/>
               <a:t>USArrests</a:t>
             </a:r>
             <a:r>
-              <a:rPr lang="en-US" dirty="0" smtClean="0"/>
+              <a:rPr lang="en-US" dirty="0"/>
               <a:t>)</a:t>
             </a:r>
           </a:p>
           <a:p>
             <a:r>
-              <a:rPr lang="en-US" dirty="0" err="1" smtClean="0"/>
+              <a:rPr lang="en-US" dirty="0" err="1"/>
               <a:t>rownames</a:t>
             </a:r>
             <a:r>
-              <a:rPr lang="en-US" dirty="0" smtClean="0"/>
+              <a:rPr lang="en-US" dirty="0"/>
               <a:t>(</a:t>
             </a:r>
             <a:r>
-              <a:rPr lang="en-US" dirty="0" err="1" smtClean="0"/>
+              <a:rPr lang="en-US" dirty="0" err="1"/>
               <a:t>USArrests</a:t>
             </a:r>
             <a:r>
-              <a:rPr lang="en-US" dirty="0" smtClean="0"/>
+              <a:rPr lang="en-US" dirty="0"/>
               <a:t>[order(</a:t>
             </a:r>
             <a:r>
-              <a:rPr lang="en-US" dirty="0" err="1" smtClean="0"/>
+              <a:rPr lang="en-US" dirty="0" err="1"/>
               <a:t>USArrests$Assault</a:t>
             </a:r>
             <a:r>
-              <a:rPr lang="en-US" dirty="0" smtClean="0"/>
+              <a:rPr lang="en-US" dirty="0"/>
               <a:t>),])</a:t>
             </a:r>
-            <a:endParaRPr lang="en-US" dirty="0"/>
           </a:p>
         </p:txBody>
       </p:sp>
@@ -6196,14 +6056,14 @@
           <a:effectLst/>
           <a:extLst>
             <a:ext uri="{909E8E84-426E-40dd-AFC4-6F175D3DCCD1}">
-              <a14:hiddenFill xmlns:a14="http://schemas.microsoft.com/office/drawing/2010/main">
+              <a14:hiddenFill xmlns:a14="http://schemas.microsoft.com/office/drawing/2010/main" xmlns="">
                 <a:solidFill>
                   <a:schemeClr val="accent1"/>
                 </a:solidFill>
               </a14:hiddenFill>
             </a:ext>
             <a:ext uri="{91240B29-F687-4f45-9708-019B960494DF}">
-              <a14:hiddenLine xmlns:a14="http://schemas.microsoft.com/office/drawing/2010/main" w="9525">
+              <a14:hiddenLine xmlns:a14="http://schemas.microsoft.com/office/drawing/2010/main" xmlns="" w="9525">
                 <a:solidFill>
                   <a:schemeClr val="tx1"/>
                 </a:solidFill>
@@ -6213,7 +6073,7 @@
               </a14:hiddenLine>
             </a:ext>
             <a:ext uri="{AF507438-7753-43e0-B8FC-AC1667EBCBE1}">
-              <a14:hiddenEffects xmlns:a14="http://schemas.microsoft.com/office/drawing/2010/main">
+              <a14:hiddenEffects xmlns:a14="http://schemas.microsoft.com/office/drawing/2010/main" xmlns="">
                 <a:effectLst>
                   <a:outerShdw dist="35921" dir="2700000" algn="ctr" rotWithShape="0">
                     <a:schemeClr val="bg2"/>
@@ -6247,13 +6107,8 @@
           <a:p>
             <a:r>
               <a:rPr lang="en-US" dirty="0"/>
-              <a:t>(Bonus: self-test # </a:t>
-            </a:r>
-            <a:r>
-              <a:rPr lang="en-US" dirty="0" smtClean="0"/>
-              <a:t>13)</a:t>
-            </a:r>
-            <a:endParaRPr lang="en-US" dirty="0"/>
+              <a:t>(Bonus: self-test # 13)</a:t>
+            </a:r>
           </a:p>
         </p:txBody>
       </p:sp>
@@ -6293,7 +6148,7 @@
   <p:timing>
     <p:tnLst>
       <p:par>
-        <p:cTn xmlns:p14="http://schemas.microsoft.com/office/powerpoint/2010/main" id="1" dur="indefinite" restart="never" nodeType="tmRoot">
+        <p:cTn id="1" dur="indefinite" restart="never" nodeType="tmRoot">
           <p:childTnLst>
             <p:seq concurrent="1" nextAc="seek">
               <p:cTn id="2" dur="indefinite" nodeType="mainSeq">
@@ -6404,10 +6259,9 @@
           <a:lstStyle/>
           <a:p>
             <a:r>
-              <a:rPr lang="en-US" dirty="0" smtClean="0"/>
+              <a:rPr lang="en-US" dirty="0"/>
               <a:t>Challenge</a:t>
             </a:r>
-            <a:endParaRPr lang="en-US" dirty="0"/>
           </a:p>
         </p:txBody>
       </p:sp>
@@ -6434,10 +6288,9 @@
           <a:lstStyle/>
           <a:p>
             <a:r>
-              <a:rPr lang="en-US" dirty="0" smtClean="0"/>
+              <a:rPr lang="en-US" dirty="0"/>
               <a:t>Use the Duncan dataset to make a box-and-whiskers plot titled “Income by Job Type” wherein type is on the x axis, income is on the y axis, and the y axis runs from 0 to 100</a:t>
             </a:r>
-            <a:endParaRPr lang="en-US" dirty="0"/>
           </a:p>
         </p:txBody>
       </p:sp>
@@ -6516,12 +6369,8 @@
           </a:p>
           <a:p>
             <a:r>
-              <a:rPr lang="en-US" dirty="0" smtClean="0"/>
-              <a:t>title</a:t>
-            </a:r>
-            <a:r>
               <a:rPr lang="en-US" dirty="0"/>
-              <a:t>("Income by Job Type")</a:t>
+              <a:t>title("Income by Job Type")</a:t>
             </a:r>
           </a:p>
         </p:txBody>
@@ -6573,10 +6422,9 @@
           <a:lstStyle/>
           <a:p>
             <a:r>
-              <a:rPr lang="en-US" dirty="0" smtClean="0"/>
+              <a:rPr lang="en-US" dirty="0"/>
               <a:t>(Bonus self-test: #15) </a:t>
             </a:r>
-            <a:endParaRPr lang="en-US" dirty="0"/>
           </a:p>
         </p:txBody>
       </p:sp>
@@ -6593,7 +6441,7 @@
   <p:timing>
     <p:tnLst>
       <p:par>
-        <p:cTn xmlns:p14="http://schemas.microsoft.com/office/powerpoint/2010/main" id="1" dur="indefinite" restart="never" nodeType="tmRoot">
+        <p:cTn id="1" dur="indefinite" restart="never" nodeType="tmRoot">
           <p:childTnLst>
             <p:seq concurrent="1" nextAc="seek">
               <p:cTn id="2" dur="indefinite" nodeType="mainSeq">
@@ -6705,7 +6553,7 @@
           <a:p>
             <a:pPr eaLnBrk="1" hangingPunct="1"/>
             <a:r>
-              <a:rPr lang="en-US" altLang="en-US" smtClean="0"/>
+              <a:rPr lang="en-US" altLang="en-US"/>
               <a:t>ggplot</a:t>
             </a:r>
           </a:p>
@@ -6728,47 +6576,47 @@
           <a:p>
             <a:pPr eaLnBrk="1" hangingPunct="1"/>
             <a:r>
-              <a:rPr lang="en-US" altLang="en-US" dirty="0" err="1" smtClean="0"/>
+              <a:rPr lang="en-US" altLang="en-US" dirty="0" err="1"/>
               <a:t>ggplot</a:t>
             </a:r>
             <a:r>
-              <a:rPr lang="en-US" altLang="en-US" dirty="0" smtClean="0"/>
+              <a:rPr lang="en-US" altLang="en-US" dirty="0"/>
               <a:t> is a whole different beast from base graphics</a:t>
             </a:r>
           </a:p>
           <a:p>
             <a:pPr eaLnBrk="1" hangingPunct="1"/>
             <a:r>
-              <a:rPr lang="en-US" altLang="en-US" dirty="0" err="1" smtClean="0"/>
+              <a:rPr lang="en-US" altLang="en-US" dirty="0" err="1"/>
               <a:t>ggplot</a:t>
             </a:r>
             <a:r>
-              <a:rPr lang="en-US" altLang="en-US" dirty="0" smtClean="0"/>
+              <a:rPr lang="en-US" altLang="en-US" dirty="0"/>
               <a:t> is like R itself – some work to get oriented, but powerful once you do</a:t>
             </a:r>
           </a:p>
           <a:p>
             <a:pPr eaLnBrk="1" hangingPunct="1"/>
             <a:r>
-              <a:rPr lang="en-US" altLang="en-US" dirty="0" smtClean="0"/>
+              <a:rPr lang="en-US" altLang="en-US" dirty="0"/>
               <a:t>You don't have to know </a:t>
             </a:r>
             <a:r>
-              <a:rPr lang="en-US" altLang="en-US" dirty="0" err="1" smtClean="0"/>
+              <a:rPr lang="en-US" altLang="en-US" dirty="0" err="1"/>
               <a:t>ggplot</a:t>
             </a:r>
             <a:r>
-              <a:rPr lang="en-US" altLang="en-US" dirty="0" smtClean="0"/>
+              <a:rPr lang="en-US" altLang="en-US" dirty="0"/>
               <a:t> to be successful using R</a:t>
             </a:r>
           </a:p>
           <a:p>
             <a:pPr eaLnBrk="1" hangingPunct="1"/>
-            <a:endParaRPr lang="en-US" altLang="en-US" dirty="0" smtClean="0"/>
+            <a:endParaRPr lang="en-US" altLang="en-US" dirty="0"/>
           </a:p>
           <a:p>
             <a:pPr eaLnBrk="1" hangingPunct="1"/>
-            <a:endParaRPr lang="en-US" altLang="en-US" dirty="0" smtClean="0"/>
+            <a:endParaRPr lang="en-US" altLang="en-US" dirty="0"/>
           </a:p>
         </p:txBody>
       </p:sp>
@@ -6805,13 +6653,6 @@
   <p:clrMapOvr>
     <a:masterClrMapping/>
   </p:clrMapOvr>
-  <p:timing>
-    <p:tnLst>
-      <p:par>
-        <p:cTn xmlns:p14="http://schemas.microsoft.com/office/powerpoint/2010/main" id="1" dur="indefinite" restart="never" nodeType="tmRoot"/>
-      </p:par>
-    </p:tnLst>
-  </p:timing>
 </p:sld>
 </file>
 
@@ -6849,7 +6690,7 @@
           <a:p>
             <a:pPr eaLnBrk="1" hangingPunct="1"/>
             <a:r>
-              <a:rPr lang="en-US" altLang="en-US" smtClean="0"/>
+              <a:rPr lang="en-US" altLang="en-US"/>
               <a:t>Plot income vs. prestige</a:t>
             </a:r>
           </a:p>
@@ -6872,78 +6713,78 @@
           <a:p>
             <a:pPr eaLnBrk="1" hangingPunct="1"/>
             <a:r>
-              <a:rPr lang="en-US" altLang="en-US" dirty="0" smtClean="0"/>
+              <a:rPr lang="en-US" altLang="en-US" dirty="0"/>
               <a:t>Load the ggplot2 library</a:t>
             </a:r>
           </a:p>
           <a:p>
             <a:pPr lvl="1"/>
             <a:r>
-              <a:rPr lang="en-US" altLang="en-US" dirty="0" smtClean="0"/>
+              <a:rPr lang="en-US" altLang="en-US" dirty="0"/>
               <a:t>library(ggplot2)</a:t>
             </a:r>
           </a:p>
           <a:p>
             <a:pPr eaLnBrk="1" hangingPunct="1"/>
             <a:r>
-              <a:rPr lang="en-US" altLang="en-US" dirty="0" smtClean="0"/>
+              <a:rPr lang="en-US" altLang="en-US" dirty="0"/>
               <a:t>It will be easiest to start using </a:t>
             </a:r>
             <a:r>
-              <a:rPr lang="en-US" altLang="en-US" dirty="0" err="1" smtClean="0"/>
+              <a:rPr lang="en-US" altLang="en-US" dirty="0" err="1"/>
               <a:t>qplot</a:t>
             </a:r>
             <a:r>
-              <a:rPr lang="en-US" altLang="en-US" dirty="0" smtClean="0"/>
+              <a:rPr lang="en-US" altLang="en-US" dirty="0"/>
               <a:t>.  </a:t>
             </a:r>
             <a:r>
-              <a:rPr lang="en-US" altLang="en-US" dirty="0" err="1" smtClean="0"/>
+              <a:rPr lang="en-US" altLang="en-US" dirty="0" err="1"/>
               <a:t>Qplot</a:t>
             </a:r>
             <a:r>
-              <a:rPr lang="en-US" altLang="en-US" dirty="0" smtClean="0"/>
+              <a:rPr lang="en-US" altLang="en-US" dirty="0"/>
               <a:t> mimics plot(), but uses the </a:t>
             </a:r>
             <a:r>
-              <a:rPr lang="en-US" altLang="en-US" dirty="0" err="1" smtClean="0"/>
+              <a:rPr lang="en-US" altLang="en-US" dirty="0" err="1"/>
               <a:t>ggplot</a:t>
             </a:r>
             <a:r>
-              <a:rPr lang="en-US" altLang="en-US" dirty="0" smtClean="0"/>
+              <a:rPr lang="en-US" altLang="en-US" dirty="0"/>
               <a:t> layout engine.</a:t>
             </a:r>
           </a:p>
           <a:p>
             <a:pPr lvl="1" eaLnBrk="1" hangingPunct="1"/>
             <a:r>
-              <a:rPr lang="en-US" altLang="en-US" dirty="0" err="1" smtClean="0"/>
+              <a:rPr lang="en-US" altLang="en-US" dirty="0" err="1"/>
               <a:t>qplot</a:t>
             </a:r>
             <a:r>
-              <a:rPr lang="en-US" altLang="en-US" dirty="0" smtClean="0"/>
+              <a:rPr lang="en-US" altLang="en-US" dirty="0"/>
               <a:t>(</a:t>
             </a:r>
             <a:r>
-              <a:rPr lang="en-US" altLang="en-US" dirty="0" err="1" smtClean="0"/>
+              <a:rPr lang="en-US" altLang="en-US" dirty="0" err="1"/>
               <a:t>Duncan$income</a:t>
             </a:r>
             <a:r>
-              <a:rPr lang="en-US" altLang="en-US" dirty="0" smtClean="0"/>
+              <a:rPr lang="en-US" altLang="en-US" dirty="0"/>
               <a:t>, </a:t>
             </a:r>
             <a:r>
-              <a:rPr lang="en-US" altLang="en-US" dirty="0" err="1" smtClean="0"/>
+              <a:rPr lang="en-US" altLang="en-US" dirty="0" err="1"/>
               <a:t>Duncan$prestige</a:t>
             </a:r>
             <a:r>
-              <a:rPr lang="en-US" altLang="en-US" dirty="0" smtClean="0"/>
+              <a:rPr lang="en-US" altLang="en-US" dirty="0"/>
               <a:t>)</a:t>
             </a:r>
           </a:p>
           <a:p>
             <a:pPr lvl="1" eaLnBrk="1" hangingPunct="1"/>
-            <a:endParaRPr lang="en-US" altLang="en-US" dirty="0" smtClean="0"/>
+            <a:endParaRPr lang="en-US" altLang="en-US" dirty="0"/>
           </a:p>
         </p:txBody>
       </p:sp>
@@ -6980,13 +6821,6 @@
   <p:clrMapOvr>
     <a:masterClrMapping/>
   </p:clrMapOvr>
-  <p:timing>
-    <p:tnLst>
-      <p:par>
-        <p:cTn xmlns:p14="http://schemas.microsoft.com/office/powerpoint/2010/main" id="1" dur="indefinite" restart="never" nodeType="tmRoot"/>
-      </p:par>
-    </p:tnLst>
-  </p:timing>
 </p:sld>
 </file>
 
@@ -7024,7 +6858,7 @@
           <a:p>
             <a:pPr eaLnBrk="1" hangingPunct="1"/>
             <a:r>
-              <a:rPr lang="en-US" altLang="en-US" smtClean="0"/>
+              <a:rPr lang="en-US" altLang="en-US"/>
               <a:t>ggplot</a:t>
             </a:r>
           </a:p>
@@ -7047,32 +6881,32 @@
           <a:p>
             <a:pPr eaLnBrk="1" hangingPunct="1"/>
             <a:r>
-              <a:rPr lang="en-US" altLang="en-US" smtClean="0"/>
+              <a:rPr lang="en-US" altLang="en-US"/>
               <a:t>qplot is the training wheels version of ggplot</a:t>
             </a:r>
           </a:p>
           <a:p>
             <a:pPr eaLnBrk="1" hangingPunct="1"/>
             <a:r>
-              <a:rPr lang="en-US" altLang="en-US" smtClean="0"/>
+              <a:rPr lang="en-US" altLang="en-US"/>
               <a:t>ggplot's syntax takes some getting used to.  Try this:</a:t>
             </a:r>
           </a:p>
           <a:p>
             <a:pPr lvl="1" eaLnBrk="1" hangingPunct="1"/>
             <a:r>
-              <a:rPr lang="en-US" altLang="en-US" smtClean="0"/>
+              <a:rPr lang="en-US" altLang="en-US"/>
               <a:t>ggplot(Duncan) + aes(x=income, y=prestige) + geom_point()</a:t>
             </a:r>
           </a:p>
           <a:p>
             <a:pPr lvl="1" eaLnBrk="1" hangingPunct="1"/>
-            <a:endParaRPr lang="en-US" altLang="en-US" smtClean="0"/>
+            <a:endParaRPr lang="en-US" altLang="en-US"/>
           </a:p>
           <a:p>
             <a:pPr eaLnBrk="1" hangingPunct="1"/>
             <a:r>
-              <a:rPr lang="en-US" altLang="en-US" smtClean="0"/>
+              <a:rPr lang="en-US" altLang="en-US"/>
               <a:t>Huh?  What are the pluses about?</a:t>
             </a:r>
           </a:p>
@@ -7111,13 +6945,6 @@
   <p:clrMapOvr>
     <a:masterClrMapping/>
   </p:clrMapOvr>
-  <p:timing>
-    <p:tnLst>
-      <p:par>
-        <p:cTn xmlns:p14="http://schemas.microsoft.com/office/powerpoint/2010/main" id="1" dur="indefinite" restart="never" nodeType="tmRoot"/>
-      </p:par>
-    </p:tnLst>
-  </p:timing>
 </p:sld>
 </file>
 
@@ -7155,7 +6982,7 @@
           <a:p>
             <a:pPr eaLnBrk="1" hangingPunct="1"/>
             <a:r>
-              <a:rPr lang="en-US" altLang="en-US" smtClean="0"/>
+              <a:rPr lang="en-US" altLang="en-US"/>
               <a:t>ggplot syntax</a:t>
             </a:r>
           </a:p>
@@ -7180,40 +7007,40 @@
           <a:p>
             <a:pPr eaLnBrk="1" hangingPunct="1"/>
             <a:r>
-              <a:rPr lang="en-US" altLang="en-US" sz="2800" dirty="0" err="1" smtClean="0"/>
+              <a:rPr lang="en-US" altLang="en-US" sz="2800" dirty="0" err="1"/>
               <a:t>ggplot</a:t>
             </a:r>
             <a:r>
-              <a:rPr lang="en-US" altLang="en-US" sz="2800" dirty="0" smtClean="0"/>
+              <a:rPr lang="en-US" altLang="en-US" sz="2800" dirty="0"/>
               <a:t> objects are weird</a:t>
             </a:r>
           </a:p>
           <a:p>
             <a:pPr eaLnBrk="1" hangingPunct="1"/>
             <a:r>
-              <a:rPr lang="en-US" altLang="en-US" sz="2800" dirty="0" smtClean="0"/>
+              <a:rPr lang="en-US" altLang="en-US" sz="2800" dirty="0"/>
               <a:t>You execute them (like a command) to draw their plot</a:t>
             </a:r>
           </a:p>
           <a:p>
             <a:pPr eaLnBrk="1" hangingPunct="1"/>
             <a:r>
-              <a:rPr lang="en-US" altLang="en-US" sz="2800" dirty="0" smtClean="0"/>
+              <a:rPr lang="en-US" altLang="en-US" sz="2800" dirty="0"/>
               <a:t>But you construct them by adding options to them</a:t>
             </a:r>
           </a:p>
           <a:p>
             <a:pPr eaLnBrk="1" hangingPunct="1"/>
             <a:r>
-              <a:rPr lang="en-US" altLang="en-US" sz="2800" dirty="0" smtClean="0"/>
+              <a:rPr lang="en-US" altLang="en-US" sz="2800" dirty="0"/>
               <a:t>Options specify data source, data columns, </a:t>
             </a:r>
             <a:r>
-              <a:rPr lang="en-US" altLang="en-US" sz="2800" dirty="0" err="1" smtClean="0"/>
+              <a:rPr lang="en-US" altLang="en-US" sz="2800" dirty="0" err="1"/>
               <a:t>etc</a:t>
             </a:r>
             <a:r>
-              <a:rPr lang="en-US" altLang="en-US" sz="2800" dirty="0" smtClean="0"/>
+              <a:rPr lang="en-US" altLang="en-US" sz="2800" dirty="0"/>
               <a:t>, resulting in code like this:</a:t>
             </a:r>
           </a:p>
@@ -7221,28 +7048,28 @@
             <a:pPr marL="0" lvl="1" indent="0">
               <a:buNone/>
             </a:pPr>
-            <a:endParaRPr lang="en-US" altLang="en-US" dirty="0" smtClean="0"/>
+            <a:endParaRPr lang="en-US" altLang="en-US" dirty="0"/>
           </a:p>
           <a:p>
             <a:pPr marL="0" lvl="1" indent="0">
               <a:buNone/>
             </a:pPr>
             <a:r>
-              <a:rPr lang="en-US" altLang="en-US" sz="2300" dirty="0" smtClean="0">
+              <a:rPr lang="en-US" altLang="en-US" sz="2300" dirty="0">
                 <a:latin typeface="Courier New" panose="02070309020205020404" pitchFamily="49" charset="0"/>
                 <a:cs typeface="Courier New" panose="02070309020205020404" pitchFamily="49" charset="0"/>
               </a:rPr>
               <a:t>p &lt;- </a:t>
             </a:r>
             <a:r>
-              <a:rPr lang="en-US" altLang="en-US" sz="2300" dirty="0" err="1" smtClean="0">
+              <a:rPr lang="en-US" altLang="en-US" sz="2300" dirty="0" err="1">
                 <a:latin typeface="Courier New" panose="02070309020205020404" pitchFamily="49" charset="0"/>
                 <a:cs typeface="Courier New" panose="02070309020205020404" pitchFamily="49" charset="0"/>
               </a:rPr>
               <a:t>ggplot</a:t>
             </a:r>
             <a:r>
-              <a:rPr lang="en-US" altLang="en-US" sz="2300" dirty="0" smtClean="0">
+              <a:rPr lang="en-US" altLang="en-US" sz="2300" dirty="0">
                 <a:latin typeface="Courier New" panose="02070309020205020404" pitchFamily="49" charset="0"/>
                 <a:cs typeface="Courier New" panose="02070309020205020404" pitchFamily="49" charset="0"/>
               </a:rPr>
@@ -7254,35 +7081,35 @@
               <a:buNone/>
             </a:pPr>
             <a:r>
-              <a:rPr lang="en-US" altLang="en-US" sz="2300" dirty="0" smtClean="0">
+              <a:rPr lang="en-US" altLang="en-US" sz="2300" dirty="0">
                 <a:latin typeface="Courier New" panose="02070309020205020404" pitchFamily="49" charset="0"/>
                 <a:cs typeface="Courier New" panose="02070309020205020404" pitchFamily="49" charset="0"/>
               </a:rPr>
               <a:t>p &lt;- p + </a:t>
             </a:r>
             <a:r>
-              <a:rPr lang="en-US" altLang="en-US" sz="2300" dirty="0" err="1" smtClean="0">
+              <a:rPr lang="en-US" altLang="en-US" sz="2300" dirty="0" err="1">
                 <a:latin typeface="Courier New" panose="02070309020205020404" pitchFamily="49" charset="0"/>
                 <a:cs typeface="Courier New" panose="02070309020205020404" pitchFamily="49" charset="0"/>
               </a:rPr>
               <a:t>aes</a:t>
             </a:r>
             <a:r>
-              <a:rPr lang="en-US" altLang="en-US" sz="2300" dirty="0" smtClean="0">
+              <a:rPr lang="en-US" altLang="en-US" sz="2300" dirty="0">
                 <a:latin typeface="Courier New" panose="02070309020205020404" pitchFamily="49" charset="0"/>
                 <a:cs typeface="Courier New" panose="02070309020205020404" pitchFamily="49" charset="0"/>
               </a:rPr>
               <a:t>(x=income, y=prestige, color=</a:t>
             </a:r>
             <a:r>
-              <a:rPr lang="en-US" altLang="en-US" sz="2300" dirty="0" err="1" smtClean="0">
+              <a:rPr lang="en-US" altLang="en-US" sz="2300" dirty="0" err="1">
                 <a:latin typeface="Courier New" panose="02070309020205020404" pitchFamily="49" charset="0"/>
                 <a:cs typeface="Courier New" panose="02070309020205020404" pitchFamily="49" charset="0"/>
               </a:rPr>
               <a:t>high_education</a:t>
             </a:r>
             <a:r>
-              <a:rPr lang="en-US" altLang="en-US" sz="2300" dirty="0" smtClean="0">
+              <a:rPr lang="en-US" altLang="en-US" sz="2300" dirty="0">
                 <a:latin typeface="Courier New" panose="02070309020205020404" pitchFamily="49" charset="0"/>
                 <a:cs typeface="Courier New" panose="02070309020205020404" pitchFamily="49" charset="0"/>
               </a:rPr>
@@ -7294,21 +7121,21 @@
               <a:buNone/>
             </a:pPr>
             <a:r>
-              <a:rPr lang="en-US" altLang="en-US" sz="2300" dirty="0" smtClean="0">
+              <a:rPr lang="en-US" altLang="en-US" sz="2300" dirty="0">
                 <a:latin typeface="Courier New" panose="02070309020205020404" pitchFamily="49" charset="0"/>
                 <a:cs typeface="Courier New" panose="02070309020205020404" pitchFamily="49" charset="0"/>
               </a:rPr>
               <a:t>p + </a:t>
             </a:r>
             <a:r>
-              <a:rPr lang="en-US" altLang="en-US" sz="2300" dirty="0" err="1" smtClean="0">
+              <a:rPr lang="en-US" altLang="en-US" sz="2300" dirty="0" err="1">
                 <a:latin typeface="Courier New" panose="02070309020205020404" pitchFamily="49" charset="0"/>
                 <a:cs typeface="Courier New" panose="02070309020205020404" pitchFamily="49" charset="0"/>
               </a:rPr>
               <a:t>geom_point</a:t>
             </a:r>
             <a:r>
-              <a:rPr lang="en-US" altLang="en-US" sz="2300" dirty="0" smtClean="0">
+              <a:rPr lang="en-US" altLang="en-US" sz="2300" dirty="0">
                 <a:latin typeface="Courier New" panose="02070309020205020404" pitchFamily="49" charset="0"/>
                 <a:cs typeface="Courier New" panose="02070309020205020404" pitchFamily="49" charset="0"/>
               </a:rPr>
@@ -7317,12 +7144,12 @@
           </a:p>
           <a:p>
             <a:pPr eaLnBrk="1" hangingPunct="1"/>
-            <a:endParaRPr lang="en-US" altLang="en-US" dirty="0" smtClean="0"/>
+            <a:endParaRPr lang="en-US" altLang="en-US" dirty="0"/>
           </a:p>
           <a:p>
             <a:pPr eaLnBrk="1" hangingPunct="1"/>
             <a:r>
-              <a:rPr lang="en-US" altLang="en-US" dirty="0" smtClean="0"/>
+              <a:rPr lang="en-US" altLang="en-US" dirty="0"/>
               <a:t>All in one line is also okay:</a:t>
             </a:r>
           </a:p>
@@ -7340,18 +7167,39 @@
               <a:buNone/>
             </a:pPr>
             <a:r>
-              <a:rPr lang="en-US" altLang="en-US" sz="2100" dirty="0" err="1" smtClean="0">
+              <a:rPr lang="en-US" altLang="en-US" sz="2100" dirty="0" err="1">
                 <a:latin typeface="Courier New" panose="02070309020205020404" pitchFamily="49" charset="0"/>
                 <a:cs typeface="Courier New" panose="02070309020205020404" pitchFamily="49" charset="0"/>
               </a:rPr>
               <a:t>ggplot</a:t>
             </a:r>
             <a:r>
-              <a:rPr lang="en-US" altLang="en-US" sz="2100" dirty="0" smtClean="0">
+              <a:rPr lang="en-US" altLang="en-US" sz="2100" dirty="0">
                 <a:latin typeface="Courier New" panose="02070309020205020404" pitchFamily="49" charset="0"/>
                 <a:cs typeface="Courier New" panose="02070309020205020404" pitchFamily="49" charset="0"/>
               </a:rPr>
-              <a:t>(Duncan</a:t>
+              <a:t>(Duncan) + </a:t>
+            </a:r>
+            <a:r>
+              <a:rPr lang="en-US" altLang="en-US" sz="2100" dirty="0" err="1">
+                <a:latin typeface="Courier New" panose="02070309020205020404" pitchFamily="49" charset="0"/>
+                <a:cs typeface="Courier New" panose="02070309020205020404" pitchFamily="49" charset="0"/>
+              </a:rPr>
+              <a:t>aes</a:t>
+            </a:r>
+            <a:r>
+              <a:rPr lang="en-US" altLang="en-US" sz="2100" dirty="0">
+                <a:latin typeface="Courier New" panose="02070309020205020404" pitchFamily="49" charset="0"/>
+                <a:cs typeface="Courier New" panose="02070309020205020404" pitchFamily="49" charset="0"/>
+              </a:rPr>
+              <a:t>(x=income, y=prestige, color=</a:t>
+            </a:r>
+            <a:r>
+              <a:rPr lang="en-US" altLang="en-US" sz="2100" dirty="0" err="1">
+                <a:latin typeface="Courier New" panose="02070309020205020404" pitchFamily="49" charset="0"/>
+                <a:cs typeface="Courier New" panose="02070309020205020404" pitchFamily="49" charset="0"/>
+              </a:rPr>
+              <a:t>high_education</a:t>
             </a:r>
             <a:r>
               <a:rPr lang="en-US" altLang="en-US" sz="2100" dirty="0">
@@ -7365,41 +7213,6 @@
                 <a:latin typeface="Courier New" panose="02070309020205020404" pitchFamily="49" charset="0"/>
                 <a:cs typeface="Courier New" panose="02070309020205020404" pitchFamily="49" charset="0"/>
               </a:rPr>
-              <a:t>aes</a:t>
-            </a:r>
-            <a:r>
-              <a:rPr lang="en-US" altLang="en-US" sz="2100" dirty="0">
-                <a:latin typeface="Courier New" panose="02070309020205020404" pitchFamily="49" charset="0"/>
-                <a:cs typeface="Courier New" panose="02070309020205020404" pitchFamily="49" charset="0"/>
-              </a:rPr>
-              <a:t>(x=income, </a:t>
-            </a:r>
-            <a:r>
-              <a:rPr lang="en-US" altLang="en-US" sz="2100" dirty="0" smtClean="0">
-                <a:latin typeface="Courier New" panose="02070309020205020404" pitchFamily="49" charset="0"/>
-                <a:cs typeface="Courier New" panose="02070309020205020404" pitchFamily="49" charset="0"/>
-              </a:rPr>
-              <a:t>y=prestige, color=</a:t>
-            </a:r>
-            <a:r>
-              <a:rPr lang="en-US" altLang="en-US" sz="2100" dirty="0" err="1" smtClean="0">
-                <a:latin typeface="Courier New" panose="02070309020205020404" pitchFamily="49" charset="0"/>
-                <a:cs typeface="Courier New" panose="02070309020205020404" pitchFamily="49" charset="0"/>
-              </a:rPr>
-              <a:t>high_education</a:t>
-            </a:r>
-            <a:r>
-              <a:rPr lang="en-US" altLang="en-US" sz="2100" dirty="0">
-                <a:latin typeface="Courier New" panose="02070309020205020404" pitchFamily="49" charset="0"/>
-                <a:cs typeface="Courier New" panose="02070309020205020404" pitchFamily="49" charset="0"/>
-              </a:rPr>
-              <a:t>) + </a:t>
-            </a:r>
-            <a:r>
-              <a:rPr lang="en-US" altLang="en-US" sz="2100" dirty="0" err="1">
-                <a:latin typeface="Courier New" panose="02070309020205020404" pitchFamily="49" charset="0"/>
-                <a:cs typeface="Courier New" panose="02070309020205020404" pitchFamily="49" charset="0"/>
-              </a:rPr>
               <a:t>geom_point</a:t>
             </a:r>
             <a:r>
@@ -7409,10 +7222,6 @@
               </a:rPr>
               <a:t>()</a:t>
             </a:r>
-            <a:endParaRPr lang="en-US" altLang="en-US" sz="2100" dirty="0" smtClean="0">
-              <a:latin typeface="Courier New" panose="02070309020205020404" pitchFamily="49" charset="0"/>
-              <a:cs typeface="Courier New" panose="02070309020205020404" pitchFamily="49" charset="0"/>
-            </a:endParaRPr>
           </a:p>
         </p:txBody>
       </p:sp>
@@ -7449,13 +7258,6 @@
   <p:clrMapOvr>
     <a:masterClrMapping/>
   </p:clrMapOvr>
-  <p:timing>
-    <p:tnLst>
-      <p:par>
-        <p:cTn xmlns:p14="http://schemas.microsoft.com/office/powerpoint/2010/main" id="1" dur="indefinite" restart="never" nodeType="tmRoot"/>
-      </p:par>
-    </p:tnLst>
-  </p:timing>
 </p:sld>
 </file>
 
@@ -7493,7 +7295,7 @@
           <a:p>
             <a:pPr eaLnBrk="1" hangingPunct="1"/>
             <a:r>
-              <a:rPr lang="en-US" altLang="en-US" smtClean="0"/>
+              <a:rPr lang="en-US" altLang="en-US"/>
               <a:t>Where ggplot shines</a:t>
             </a:r>
           </a:p>
@@ -7516,21 +7318,21 @@
           <a:p>
             <a:pPr eaLnBrk="1" hangingPunct="1"/>
             <a:r>
-              <a:rPr lang="en-US" altLang="en-US" smtClean="0"/>
+              <a:rPr lang="en-US" altLang="en-US"/>
               <a:t>In my opinion, it's harder to think about doing simple plots in ggplot</a:t>
             </a:r>
           </a:p>
           <a:p>
             <a:pPr eaLnBrk="1" hangingPunct="1"/>
             <a:r>
-              <a:rPr lang="en-US" altLang="en-US" smtClean="0"/>
+              <a:rPr lang="en-US" altLang="en-US"/>
               <a:t>But when I want to do something multi-faceted (e.g. with different colors, sizes, etc.), ggplot makes it really easy</a:t>
             </a:r>
           </a:p>
           <a:p>
             <a:pPr eaLnBrk="1" hangingPunct="1"/>
             <a:r>
-              <a:rPr lang="en-US" altLang="en-US" smtClean="0"/>
+              <a:rPr lang="en-US" altLang="en-US"/>
               <a:t>I use it a lot for to understand 3+-way relationships in data</a:t>
             </a:r>
           </a:p>
@@ -7569,13 +7371,6 @@
   <p:clrMapOvr>
     <a:masterClrMapping/>
   </p:clrMapOvr>
-  <p:timing>
-    <p:tnLst>
-      <p:par>
-        <p:cTn xmlns:p14="http://schemas.microsoft.com/office/powerpoint/2010/main" id="1" dur="indefinite" restart="never" nodeType="tmRoot"/>
-      </p:par>
-    </p:tnLst>
-  </p:timing>
 </p:sld>
 </file>
 
@@ -7612,10 +7407,9 @@
           <a:lstStyle/>
           <a:p>
             <a:r>
-              <a:rPr lang="en-US" dirty="0" smtClean="0"/>
+              <a:rPr lang="en-US" dirty="0"/>
               <a:t>Challenge</a:t>
             </a:r>
-            <a:endParaRPr lang="en-US" dirty="0"/>
           </a:p>
         </p:txBody>
       </p:sp>
@@ -7640,18 +7434,17 @@
           <a:lstStyle/>
           <a:p>
             <a:r>
-              <a:rPr lang="en-US" dirty="0" smtClean="0"/>
+              <a:rPr lang="en-US" dirty="0"/>
               <a:t>Use </a:t>
             </a:r>
             <a:r>
-              <a:rPr lang="en-US" dirty="0" err="1" smtClean="0"/>
+              <a:rPr lang="en-US" dirty="0" err="1"/>
               <a:t>ggplot</a:t>
             </a:r>
             <a:r>
-              <a:rPr lang="en-US" dirty="0" smtClean="0"/>
+              <a:rPr lang="en-US" dirty="0"/>
               <a:t> to make a scatterplot of prestige vs. income in the Duncan dataset, making size proportional to education and color set by type</a:t>
             </a:r>
-            <a:endParaRPr lang="en-US" dirty="0"/>
           </a:p>
         </p:txBody>
       </p:sp>
@@ -7677,51 +7470,33 @@
           <a:lstStyle/>
           <a:p>
             <a:r>
-              <a:rPr lang="en-US" dirty="0" smtClean="0"/>
+              <a:rPr lang="en-US" dirty="0"/>
               <a:t>My answer: </a:t>
             </a:r>
           </a:p>
           <a:p>
             <a:r>
-              <a:rPr lang="en-US" dirty="0" err="1" smtClean="0"/>
+              <a:rPr lang="en-US" dirty="0" err="1"/>
               <a:t>ggplot</a:t>
             </a:r>
             <a:r>
-              <a:rPr lang="en-US" dirty="0" smtClean="0"/>
-              <a:t>(Duncan</a:t>
-            </a:r>
-            <a:r>
               <a:rPr lang="en-US" dirty="0"/>
-              <a:t>) + </a:t>
-            </a:r>
-            <a:endParaRPr lang="en-US" dirty="0" smtClean="0"/>
-          </a:p>
-          <a:p>
-            <a:r>
-              <a:rPr lang="en-US" dirty="0" err="1" smtClean="0"/>
+              <a:t>(Duncan) + </a:t>
+            </a:r>
+          </a:p>
+          <a:p>
+            <a:r>
+              <a:rPr lang="en-US" dirty="0" err="1"/>
               <a:t>aes</a:t>
             </a:r>
             <a:r>
-              <a:rPr lang="en-US" dirty="0" smtClean="0"/>
-              <a:t>(x=income</a:t>
-            </a:r>
-            <a:r>
               <a:rPr lang="en-US" dirty="0"/>
-              <a:t>, y=prestige, </a:t>
-            </a:r>
-            <a:r>
-              <a:rPr lang="en-US" dirty="0" smtClean="0"/>
-              <a:t> color=education</a:t>
-            </a:r>
-            <a:r>
-              <a:rPr lang="en-US" dirty="0"/>
-              <a:t>, size=type) + </a:t>
-            </a:r>
-            <a:endParaRPr lang="en-US" dirty="0" smtClean="0"/>
-          </a:p>
-          <a:p>
-            <a:r>
-              <a:rPr lang="en-US" dirty="0" err="1" smtClean="0"/>
+              <a:t>(x=income, y=prestige,  color=education, size=type) + </a:t>
+            </a:r>
+          </a:p>
+          <a:p>
+            <a:r>
+              <a:rPr lang="en-US" dirty="0" err="1"/>
               <a:t>geom_point</a:t>
             </a:r>
             <a:r>
@@ -7754,10 +7529,9 @@
           <a:lstStyle/>
           <a:p>
             <a:r>
-              <a:rPr lang="en-US" dirty="0" smtClean="0"/>
+              <a:rPr lang="en-US" dirty="0"/>
               <a:t>(Bonus self-test: graphics self-test)</a:t>
             </a:r>
-            <a:endParaRPr lang="en-US" dirty="0"/>
           </a:p>
         </p:txBody>
       </p:sp>
@@ -7794,13 +7568,6 @@
   <p:clrMapOvr>
     <a:masterClrMapping/>
   </p:clrMapOvr>
-  <p:timing>
-    <p:tnLst>
-      <p:par>
-        <p:cTn xmlns:p14="http://schemas.microsoft.com/office/powerpoint/2010/main" id="1" dur="indefinite" restart="never" nodeType="tmRoot"/>
-      </p:par>
-    </p:tnLst>
-  </p:timing>
 </p:sld>
 </file>
 
@@ -7837,10 +7604,9 @@
           <a:lstStyle/>
           <a:p>
             <a:r>
-              <a:rPr lang="en-US" dirty="0" smtClean="0"/>
+              <a:rPr lang="en-US" dirty="0"/>
               <a:t>Orientation on Regression in R</a:t>
             </a:r>
-            <a:endParaRPr lang="en-US" dirty="0"/>
           </a:p>
         </p:txBody>
       </p:sp>
@@ -7862,17 +7628,16 @@
           <a:lstStyle/>
           <a:p>
             <a:r>
-              <a:rPr lang="en-US" dirty="0" smtClean="0"/>
+              <a:rPr lang="en-US" dirty="0"/>
               <a:t>Use the formula type to specify a model:</a:t>
             </a:r>
-            <a:endParaRPr lang="en-US" dirty="0"/>
           </a:p>
           <a:p>
             <a:pPr marL="0" indent="0">
               <a:buNone/>
             </a:pPr>
             <a:r>
-              <a:rPr lang="en-US" dirty="0" smtClean="0">
+              <a:rPr lang="en-US" dirty="0">
                 <a:cs typeface="Courier New" pitchFamily="49" charset="0"/>
               </a:rPr>
               <a:t>y ~ x + z</a:t>
@@ -7884,7 +7649,7 @@
               <a:buNone/>
             </a:pPr>
             <a:r>
-              <a:rPr lang="en-US" dirty="0" smtClean="0"/>
+              <a:rPr lang="en-US" dirty="0"/>
               <a:t>Where y is the dependent variable and x and z are predictors, e.g. </a:t>
             </a:r>
           </a:p>
@@ -7899,7 +7664,7 @@
               <a:buNone/>
             </a:pPr>
             <a:r>
-              <a:rPr lang="en-US" sz="1400" dirty="0" smtClean="0">
+              <a:rPr lang="en-US" sz="1400" dirty="0">
                 <a:latin typeface="Courier New" pitchFamily="49" charset="0"/>
                 <a:cs typeface="Courier New" pitchFamily="49" charset="0"/>
               </a:rPr>
@@ -7911,16 +7676,12 @@
               <a:buNone/>
             </a:pPr>
             <a:r>
-              <a:rPr lang="en-US" sz="1400" dirty="0" smtClean="0">
+              <a:rPr lang="en-US" sz="1400" dirty="0">
                 <a:latin typeface="Courier New" pitchFamily="49" charset="0"/>
                 <a:cs typeface="Courier New" pitchFamily="49" charset="0"/>
               </a:rPr>
               <a:t>lm(HEARTRTE ~ TRTMT + SEX, data=dig)</a:t>
             </a:r>
-            <a:endParaRPr lang="en-US" sz="1400" dirty="0">
-              <a:latin typeface="Courier New" pitchFamily="49" charset="0"/>
-              <a:cs typeface="Courier New" pitchFamily="49" charset="0"/>
-            </a:endParaRPr>
           </a:p>
         </p:txBody>
       </p:sp>
@@ -7957,13 +7718,6 @@
   <p:clrMapOvr>
     <a:masterClrMapping/>
   </p:clrMapOvr>
-  <p:timing>
-    <p:tnLst>
-      <p:par>
-        <p:cTn xmlns:p14="http://schemas.microsoft.com/office/powerpoint/2010/main" id="1" dur="indefinite" restart="never" nodeType="tmRoot"/>
-      </p:par>
-    </p:tnLst>
-  </p:timing>
 </p:sld>
 </file>
 
@@ -8000,10 +7754,9 @@
           <a:lstStyle/>
           <a:p>
             <a:r>
-              <a:rPr lang="en-US" dirty="0" smtClean="0"/>
+              <a:rPr lang="en-US" dirty="0"/>
               <a:t>Using the model object</a:t>
             </a:r>
-            <a:endParaRPr lang="en-US" dirty="0"/>
           </a:p>
         </p:txBody>
       </p:sp>
@@ -8023,7 +7776,7 @@
           <a:lstStyle/>
           <a:p>
             <a:r>
-              <a:rPr lang="en-US" dirty="0" smtClean="0"/>
+              <a:rPr lang="en-US" dirty="0"/>
               <a:t>lm() (and family) return a model object, which subsequent functions interrogate.</a:t>
             </a:r>
           </a:p>
@@ -8034,40 +7787,31 @@
             <a:pPr marL="0" indent="0">
               <a:buNone/>
             </a:pPr>
-            <a:r>
-              <a:rPr lang="en-US" sz="2000" dirty="0" smtClean="0">
-                <a:latin typeface="Courier New" pitchFamily="49" charset="0"/>
-                <a:cs typeface="Courier New" pitchFamily="49" charset="0"/>
-              </a:rPr>
-              <a:t>model &lt;- lm(SYSBP ~ DIABP </a:t>
-            </a:r>
             <a:r>
               <a:rPr lang="en-US" sz="2000" dirty="0">
                 <a:latin typeface="Courier New" pitchFamily="49" charset="0"/>
                 <a:cs typeface="Courier New" pitchFamily="49" charset="0"/>
               </a:rPr>
-              <a:t>+ </a:t>
-            </a:r>
-            <a:r>
-              <a:rPr lang="en-US" sz="2000" dirty="0" smtClean="0">
+              <a:t>model &lt;- lm(SYSBP ~ DIABP + SEX, data=dig)</a:t>
+            </a:r>
+          </a:p>
+          <a:p>
+            <a:pPr marL="0" indent="0">
+              <a:buNone/>
+            </a:pPr>
+            <a:r>
+              <a:rPr lang="en-US" sz="2000" dirty="0" err="1">
                 <a:latin typeface="Courier New" pitchFamily="49" charset="0"/>
                 <a:cs typeface="Courier New" pitchFamily="49" charset="0"/>
               </a:rPr>
-              <a:t>SEX, </a:t>
+              <a:t>str</a:t>
             </a:r>
             <a:r>
               <a:rPr lang="en-US" sz="2000" dirty="0">
                 <a:latin typeface="Courier New" pitchFamily="49" charset="0"/>
                 <a:cs typeface="Courier New" pitchFamily="49" charset="0"/>
               </a:rPr>
-              <a:t>data=dig</a:t>
-            </a:r>
-            <a:r>
-              <a:rPr lang="en-US" sz="2000" dirty="0" smtClean="0">
-                <a:latin typeface="Courier New" pitchFamily="49" charset="0"/>
-                <a:cs typeface="Courier New" pitchFamily="49" charset="0"/>
-              </a:rPr>
-              <a:t>)</a:t>
+              <a:t>(model)</a:t>
             </a:r>
           </a:p>
           <a:p>
@@ -8075,26 +7819,7 @@
               <a:buNone/>
             </a:pPr>
             <a:r>
-              <a:rPr lang="en-US" sz="2000" dirty="0" err="1" smtClean="0">
-                <a:latin typeface="Courier New" pitchFamily="49" charset="0"/>
-                <a:cs typeface="Courier New" pitchFamily="49" charset="0"/>
-              </a:rPr>
-              <a:t>str</a:t>
-            </a:r>
-            <a:r>
-              <a:rPr lang="en-US" sz="2000" dirty="0" smtClean="0">
-                <a:latin typeface="Courier New" pitchFamily="49" charset="0"/>
-                <a:cs typeface="Courier New" pitchFamily="49" charset="0"/>
-              </a:rPr>
-              <a:t>(model)</a:t>
-            </a:r>
-          </a:p>
-          <a:p>
-            <a:pPr marL="0" indent="0">
-              <a:buNone/>
-            </a:pPr>
-            <a:r>
-              <a:rPr lang="en-US" sz="2000" dirty="0" smtClean="0">
+              <a:rPr lang="en-US" sz="2000" dirty="0">
                 <a:latin typeface="Courier New" pitchFamily="49" charset="0"/>
                 <a:cs typeface="Courier New" pitchFamily="49" charset="0"/>
               </a:rPr>
@@ -8106,7 +7831,7 @@
               <a:buNone/>
             </a:pPr>
             <a:r>
-              <a:rPr lang="en-US" sz="2000" dirty="0" err="1" smtClean="0">
+              <a:rPr lang="en-US" sz="2000" dirty="0" err="1">
                 <a:latin typeface="Courier New" pitchFamily="49" charset="0"/>
                 <a:cs typeface="Courier New" pitchFamily="49" charset="0"/>
               </a:rPr>
@@ -8119,40 +7844,32 @@
               </a:rPr>
               <a:t>(model) </a:t>
             </a:r>
-            <a:endParaRPr lang="en-US" sz="2000" dirty="0" smtClean="0">
-              <a:latin typeface="Courier New" pitchFamily="49" charset="0"/>
-              <a:cs typeface="Courier New" pitchFamily="49" charset="0"/>
-            </a:endParaRPr>
           </a:p>
           <a:p>
             <a:pPr marL="0" indent="0">
               <a:buNone/>
             </a:pPr>
             <a:r>
-              <a:rPr lang="en-US" sz="2000" dirty="0" err="1" smtClean="0">
+              <a:rPr lang="en-US" sz="2000" dirty="0" err="1">
                 <a:latin typeface="Courier New" pitchFamily="49" charset="0"/>
                 <a:cs typeface="Courier New" pitchFamily="49" charset="0"/>
               </a:rPr>
               <a:t>anova</a:t>
             </a:r>
             <a:r>
-              <a:rPr lang="en-US" sz="2000" dirty="0" smtClean="0">
+              <a:rPr lang="en-US" sz="2000" dirty="0">
                 <a:latin typeface="Courier New" pitchFamily="49" charset="0"/>
                 <a:cs typeface="Courier New" pitchFamily="49" charset="0"/>
               </a:rPr>
               <a:t>(model)</a:t>
             </a:r>
-            <a:endParaRPr lang="en-US" sz="2000" dirty="0">
-              <a:latin typeface="Courier New" pitchFamily="49" charset="0"/>
-              <a:cs typeface="Courier New" pitchFamily="49" charset="0"/>
-            </a:endParaRPr>
           </a:p>
           <a:p>
             <a:pPr marL="0" indent="0">
               <a:buNone/>
             </a:pPr>
             <a:r>
-              <a:rPr lang="en-US" sz="2000" dirty="0" smtClean="0">
+              <a:rPr lang="en-US" sz="2000" dirty="0">
                 <a:latin typeface="Courier New" pitchFamily="49" charset="0"/>
                 <a:cs typeface="Courier New" pitchFamily="49" charset="0"/>
               </a:rPr>
@@ -8164,19 +7881,15 @@
               <a:buNone/>
             </a:pPr>
             <a:r>
-              <a:rPr lang="en-US" sz="2000" dirty="0" smtClean="0">
+              <a:rPr lang="en-US" sz="2000" dirty="0">
                 <a:latin typeface="Courier New" pitchFamily="49" charset="0"/>
                 <a:cs typeface="Courier New" pitchFamily="49" charset="0"/>
               </a:rPr>
               <a:t>predict(model)</a:t>
             </a:r>
-            <a:endParaRPr lang="en-US" sz="2000" dirty="0">
-              <a:latin typeface="Courier New" pitchFamily="49" charset="0"/>
-              <a:cs typeface="Courier New" pitchFamily="49" charset="0"/>
-            </a:endParaRPr>
-          </a:p>
-          <a:p>
-            <a:endParaRPr lang="en-US" dirty="0" smtClean="0"/>
+          </a:p>
+          <a:p>
+            <a:endParaRPr lang="en-US" dirty="0"/>
           </a:p>
           <a:p>
             <a:endParaRPr lang="en-US" dirty="0"/>
@@ -8219,14 +7932,14 @@
           <a:effectLst/>
           <a:extLst>
             <a:ext uri="{909E8E84-426E-40dd-AFC4-6F175D3DCCD1}">
-              <a14:hiddenFill xmlns:a14="http://schemas.microsoft.com/office/drawing/2010/main">
+              <a14:hiddenFill xmlns:a14="http://schemas.microsoft.com/office/drawing/2010/main" xmlns="">
                 <a:solidFill>
                   <a:schemeClr val="accent1"/>
                 </a:solidFill>
               </a14:hiddenFill>
             </a:ext>
             <a:ext uri="{91240B29-F687-4f45-9708-019B960494DF}">
-              <a14:hiddenLine xmlns:a14="http://schemas.microsoft.com/office/drawing/2010/main" w="9525">
+              <a14:hiddenLine xmlns:a14="http://schemas.microsoft.com/office/drawing/2010/main" xmlns="" w="9525">
                 <a:solidFill>
                   <a:schemeClr val="tx1"/>
                 </a:solidFill>
@@ -8236,7 +7949,7 @@
               </a14:hiddenLine>
             </a:ext>
             <a:ext uri="{AF507438-7753-43e0-B8FC-AC1667EBCBE1}">
-              <a14:hiddenEffects xmlns:a14="http://schemas.microsoft.com/office/drawing/2010/main">
+              <a14:hiddenEffects xmlns:a14="http://schemas.microsoft.com/office/drawing/2010/main" xmlns="">
                 <a:effectLst>
                   <a:outerShdw dist="35921" dir="2700000" algn="ctr" rotWithShape="0">
                     <a:schemeClr val="bg2"/>
@@ -8280,13 +7993,6 @@
   <p:clrMapOvr>
     <a:masterClrMapping/>
   </p:clrMapOvr>
-  <p:timing>
-    <p:tnLst>
-      <p:par>
-        <p:cTn xmlns:p14="http://schemas.microsoft.com/office/powerpoint/2010/main" id="1" dur="indefinite" restart="never" nodeType="tmRoot"/>
-      </p:par>
-    </p:tnLst>
-  </p:timing>
 </p:sld>
 </file>
 
@@ -8323,10 +8029,9 @@
           <a:lstStyle/>
           <a:p>
             <a:r>
-              <a:rPr lang="en-US" dirty="0" smtClean="0"/>
+              <a:rPr lang="en-US" dirty="0"/>
               <a:t>More with the model object</a:t>
             </a:r>
-            <a:endParaRPr lang="en-US" dirty="0"/>
           </a:p>
         </p:txBody>
       </p:sp>
@@ -8348,11 +8053,11 @@
           <a:lstStyle/>
           <a:p>
             <a:r>
-              <a:rPr lang="en-US" dirty="0" smtClean="0"/>
+              <a:rPr lang="en-US" dirty="0"/>
               <a:t>Regression diagnostics in the car ('</a:t>
             </a:r>
             <a:r>
-              <a:rPr lang="en-US" dirty="0" smtClean="0">
+              <a:rPr lang="en-US" dirty="0">
                 <a:solidFill>
                   <a:srgbClr val="FF0000"/>
                 </a:solidFill>
@@ -8360,7 +8065,7 @@
               <a:t>c</a:t>
             </a:r>
             <a:r>
-              <a:rPr lang="en-US" dirty="0" smtClean="0"/>
+              <a:rPr lang="en-US" dirty="0"/>
               <a:t>ompanion for </a:t>
             </a:r>
             <a:r>
@@ -8372,7 +8077,7 @@
               <a:t>a</a:t>
             </a:r>
             <a:r>
-              <a:rPr lang="en-US" dirty="0" smtClean="0"/>
+              <a:rPr lang="en-US" dirty="0"/>
               <a:t>pplied </a:t>
             </a:r>
             <a:r>
@@ -8384,7 +8089,7 @@
               <a:t>r</a:t>
             </a:r>
             <a:r>
-              <a:rPr lang="en-US" dirty="0" smtClean="0"/>
+              <a:rPr lang="en-US" dirty="0"/>
               <a:t>egression') package:</a:t>
             </a:r>
           </a:p>
@@ -8392,14 +8097,14 @@
             <a:pPr marL="0" indent="0">
               <a:buNone/>
             </a:pPr>
-            <a:endParaRPr lang="en-US" dirty="0" smtClean="0"/>
+            <a:endParaRPr lang="en-US" dirty="0"/>
           </a:p>
           <a:p>
             <a:pPr marL="0" indent="0">
               <a:buNone/>
             </a:pPr>
             <a:r>
-              <a:rPr lang="en-US" sz="2000" dirty="0" smtClean="0">
+              <a:rPr lang="en-US" sz="2000" dirty="0">
                 <a:latin typeface="Courier New" pitchFamily="49" charset="0"/>
                 <a:cs typeface="Courier New" pitchFamily="49" charset="0"/>
               </a:rPr>
@@ -8411,7 +8116,7 @@
               <a:buNone/>
             </a:pPr>
             <a:r>
-              <a:rPr lang="en-US" sz="2000" dirty="0" smtClean="0">
+              <a:rPr lang="en-US" sz="2000" dirty="0">
                 <a:latin typeface="Courier New" pitchFamily="49" charset="0"/>
                 <a:cs typeface="Courier New" pitchFamily="49" charset="0"/>
               </a:rPr>
@@ -8423,21 +8128,21 @@
               <a:buNone/>
             </a:pPr>
             <a:r>
-              <a:rPr lang="en-US" sz="2000" dirty="0" smtClean="0">
+              <a:rPr lang="en-US" sz="2000" dirty="0">
                 <a:latin typeface="Courier New" pitchFamily="49" charset="0"/>
                 <a:cs typeface="Courier New" pitchFamily="49" charset="0"/>
               </a:rPr>
               <a:t>model&lt;-lm(</a:t>
             </a:r>
             <a:r>
-              <a:rPr lang="en-US" sz="2000" dirty="0" err="1" smtClean="0">
+              <a:rPr lang="en-US" sz="2000" dirty="0" err="1">
                 <a:latin typeface="Courier New" pitchFamily="49" charset="0"/>
                 <a:cs typeface="Courier New" pitchFamily="49" charset="0"/>
               </a:rPr>
               <a:t>prestige~income</a:t>
             </a:r>
             <a:r>
-              <a:rPr lang="en-US" sz="2000" dirty="0" smtClean="0">
+              <a:rPr lang="en-US" sz="2000" dirty="0">
                 <a:latin typeface="Courier New" pitchFamily="49" charset="0"/>
                 <a:cs typeface="Courier New" pitchFamily="49" charset="0"/>
               </a:rPr>
@@ -8449,14 +8154,14 @@
               <a:buNone/>
             </a:pPr>
             <a:r>
-              <a:rPr lang="en-US" sz="2000" dirty="0" err="1" smtClean="0">
+              <a:rPr lang="en-US" sz="2000" dirty="0" err="1">
                 <a:latin typeface="Courier New" pitchFamily="49" charset="0"/>
                 <a:cs typeface="Courier New" pitchFamily="49" charset="0"/>
               </a:rPr>
               <a:t>qqPlot</a:t>
             </a:r>
             <a:r>
-              <a:rPr lang="en-US" sz="2000" dirty="0" smtClean="0">
+              <a:rPr lang="en-US" sz="2000" dirty="0">
                 <a:latin typeface="Courier New" pitchFamily="49" charset="0"/>
                 <a:cs typeface="Courier New" pitchFamily="49" charset="0"/>
               </a:rPr>
@@ -8468,14 +8173,14 @@
               <a:buNone/>
             </a:pPr>
             <a:r>
-              <a:rPr lang="en-US" sz="2000" dirty="0" err="1" smtClean="0">
+              <a:rPr lang="en-US" sz="2000" dirty="0" err="1">
                 <a:latin typeface="Courier New" pitchFamily="49" charset="0"/>
                 <a:cs typeface="Courier New" pitchFamily="49" charset="0"/>
               </a:rPr>
               <a:t>infIndexPlot</a:t>
             </a:r>
             <a:r>
-              <a:rPr lang="en-US" sz="2000" dirty="0" smtClean="0">
+              <a:rPr lang="en-US" sz="2000" dirty="0">
                 <a:latin typeface="Courier New" pitchFamily="49" charset="0"/>
                 <a:cs typeface="Courier New" pitchFamily="49" charset="0"/>
               </a:rPr>
@@ -8487,14 +8192,14 @@
               <a:buNone/>
             </a:pPr>
             <a:r>
-              <a:rPr lang="en-US" sz="2000" dirty="0" err="1" smtClean="0">
+              <a:rPr lang="en-US" sz="2000" dirty="0" err="1">
                 <a:latin typeface="Courier New" pitchFamily="49" charset="0"/>
                 <a:cs typeface="Courier New" pitchFamily="49" charset="0"/>
               </a:rPr>
               <a:t>infIndexPlot</a:t>
             </a:r>
             <a:r>
-              <a:rPr lang="en-US" sz="2000" dirty="0" smtClean="0">
+              <a:rPr lang="en-US" sz="2000" dirty="0">
                 <a:latin typeface="Courier New" pitchFamily="49" charset="0"/>
                 <a:cs typeface="Courier New" pitchFamily="49" charset="0"/>
               </a:rPr>
@@ -8551,13 +8256,6 @@
   <p:clrMapOvr>
     <a:masterClrMapping/>
   </p:clrMapOvr>
-  <p:timing>
-    <p:tnLst>
-      <p:par>
-        <p:cTn xmlns:p14="http://schemas.microsoft.com/office/powerpoint/2010/main" id="1" dur="indefinite" restart="never" nodeType="tmRoot"/>
-      </p:par>
-    </p:tnLst>
-  </p:timing>
 </p:sld>
 </file>
 
@@ -8596,41 +8294,40 @@
           <a:lstStyle/>
           <a:p>
             <a:r>
-              <a:rPr lang="en-US" dirty="0" smtClean="0"/>
+              <a:rPr lang="en-US" dirty="0"/>
               <a:t>Graphical tools for regression</a:t>
             </a:r>
+          </a:p>
+        </p:txBody>
+      </p:sp>
+      <p:sp>
+        <p:nvSpPr>
+          <p:cNvPr id="3" name="Content Placeholder 2"/>
+          <p:cNvSpPr>
+            <a:spLocks noGrp="1"/>
+          </p:cNvSpPr>
+          <p:nvPr>
+            <p:ph idx="1"/>
+          </p:nvPr>
+        </p:nvSpPr>
+        <p:spPr/>
+        <p:txBody>
+          <a:bodyPr/>
+          <a:lstStyle/>
+          <a:p>
+            <a:r>
+              <a:rPr lang="en-US" dirty="0"/>
+              <a:t>Plot is a generic function for graphing</a:t>
+            </a:r>
+          </a:p>
+          <a:p>
+            <a:r>
+              <a:rPr lang="en-US" dirty="0"/>
+              <a:t>More details later</a:t>
+            </a:r>
+          </a:p>
+          <a:p>
             <a:endParaRPr lang="en-US" dirty="0"/>
-          </a:p>
-        </p:txBody>
-      </p:sp>
-      <p:sp>
-        <p:nvSpPr>
-          <p:cNvPr id="3" name="Content Placeholder 2"/>
-          <p:cNvSpPr>
-            <a:spLocks noGrp="1"/>
-          </p:cNvSpPr>
-          <p:nvPr>
-            <p:ph idx="1"/>
-          </p:nvPr>
-        </p:nvSpPr>
-        <p:spPr/>
-        <p:txBody>
-          <a:bodyPr/>
-          <a:lstStyle/>
-          <a:p>
-            <a:r>
-              <a:rPr lang="en-US" dirty="0" smtClean="0"/>
-              <a:t>Plot is a generic function for graphing</a:t>
-            </a:r>
-          </a:p>
-          <a:p>
-            <a:r>
-              <a:rPr lang="en-US" dirty="0" smtClean="0"/>
-              <a:t>More details later</a:t>
-            </a:r>
-          </a:p>
-          <a:p>
-            <a:endParaRPr lang="en-US" dirty="0" smtClean="0"/>
           </a:p>
           <a:p>
             <a:pPr marL="0" indent="0">
@@ -8658,14 +8355,14 @@
               <a:t>, </a:t>
             </a:r>
             <a:r>
-              <a:rPr lang="en-US" sz="2000" dirty="0" err="1" smtClean="0">
+              <a:rPr lang="en-US" sz="2000" dirty="0" err="1">
                 <a:latin typeface="Courier New" pitchFamily="49" charset="0"/>
                 <a:cs typeface="Courier New" pitchFamily="49" charset="0"/>
               </a:rPr>
               <a:t>Duncan$prestige</a:t>
             </a:r>
             <a:r>
-              <a:rPr lang="en-US" sz="2000" dirty="0" smtClean="0">
+              <a:rPr lang="en-US" sz="2000" dirty="0">
                 <a:latin typeface="Courier New" pitchFamily="49" charset="0"/>
                 <a:cs typeface="Courier New" pitchFamily="49" charset="0"/>
               </a:rPr>
@@ -8677,14 +8374,14 @@
               <a:buNone/>
             </a:pPr>
             <a:r>
-              <a:rPr lang="en-US" sz="2000" dirty="0" smtClean="0">
+              <a:rPr lang="en-US" sz="2000" dirty="0">
                 <a:latin typeface="Courier New" pitchFamily="49" charset="0"/>
                 <a:cs typeface="Courier New" pitchFamily="49" charset="0"/>
               </a:rPr>
               <a:t>identify(</a:t>
             </a:r>
             <a:r>
-              <a:rPr lang="en-US" sz="2000" dirty="0" err="1" smtClean="0">
+              <a:rPr lang="en-US" sz="2000" dirty="0" err="1">
                 <a:latin typeface="Courier New" pitchFamily="49" charset="0"/>
                 <a:cs typeface="Courier New" pitchFamily="49" charset="0"/>
               </a:rPr>
@@ -8709,14 +8406,7 @@
                 <a:latin typeface="Courier New" pitchFamily="49" charset="0"/>
                 <a:cs typeface="Courier New" pitchFamily="49" charset="0"/>
               </a:rPr>
-              <a:t>)</a:t>
-            </a:r>
-            <a:r>
-              <a:rPr lang="en-US" sz="2000" dirty="0" smtClean="0">
-                <a:latin typeface="Courier New" pitchFamily="49" charset="0"/>
-                <a:cs typeface="Courier New" pitchFamily="49" charset="0"/>
-              </a:rPr>
-              <a:t> </a:t>
+              <a:t>) </a:t>
             </a:r>
           </a:p>
           <a:p>
@@ -8728,21 +8418,14 @@
                 <a:latin typeface="Courier New" pitchFamily="49" charset="0"/>
                 <a:cs typeface="Courier New" pitchFamily="49" charset="0"/>
               </a:rPr>
-              <a:t>Duncan[c(6, 16</a:t>
-            </a:r>
-            <a:r>
-              <a:rPr lang="en-US" sz="2000" dirty="0" smtClean="0">
-                <a:latin typeface="Courier New" pitchFamily="49" charset="0"/>
-                <a:cs typeface="Courier New" pitchFamily="49" charset="0"/>
-              </a:rPr>
-              <a:t>),]</a:t>
+              <a:t>Duncan[c(6, 16),]</a:t>
             </a:r>
           </a:p>
           <a:p>
             <a:pPr marL="0" indent="0">
               <a:buNone/>
             </a:pPr>
-            <a:endParaRPr lang="en-US" sz="2000" dirty="0" smtClean="0">
+            <a:endParaRPr lang="en-US" sz="2000" dirty="0">
               <a:latin typeface="Courier New" pitchFamily="49" charset="0"/>
               <a:cs typeface="Courier New" pitchFamily="49" charset="0"/>
             </a:endParaRPr>
@@ -8752,14 +8435,14 @@
               <a:buNone/>
             </a:pPr>
             <a:r>
-              <a:rPr lang="en-US" sz="2000" dirty="0" err="1" smtClean="0">
+              <a:rPr lang="en-US" sz="2000" dirty="0" err="1">
                 <a:latin typeface="Courier New" pitchFamily="49" charset="0"/>
                 <a:cs typeface="Courier New" pitchFamily="49" charset="0"/>
               </a:rPr>
               <a:t>abline</a:t>
             </a:r>
             <a:r>
-              <a:rPr lang="en-US" sz="2000" dirty="0" smtClean="0">
+              <a:rPr lang="en-US" sz="2000" dirty="0">
                 <a:latin typeface="Courier New" pitchFamily="49" charset="0"/>
                 <a:cs typeface="Courier New" pitchFamily="49" charset="0"/>
               </a:rPr>
@@ -8771,16 +8454,12 @@
               <a:buNone/>
             </a:pPr>
             <a:r>
-              <a:rPr lang="en-US" sz="2000" dirty="0" smtClean="0">
+              <a:rPr lang="en-US" sz="2000" dirty="0">
                 <a:latin typeface="Courier New" pitchFamily="49" charset="0"/>
                 <a:cs typeface="Courier New" pitchFamily="49" charset="0"/>
               </a:rPr>
               <a:t>plot(model)</a:t>
             </a:r>
-            <a:endParaRPr lang="en-US" sz="2000" dirty="0">
-              <a:latin typeface="Courier New" pitchFamily="49" charset="0"/>
-              <a:cs typeface="Courier New" pitchFamily="49" charset="0"/>
-            </a:endParaRPr>
           </a:p>
         </p:txBody>
       </p:sp>
@@ -8820,14 +8499,14 @@
           <a:effectLst/>
           <a:extLst>
             <a:ext uri="{909E8E84-426E-40dd-AFC4-6F175D3DCCD1}">
-              <a14:hiddenFill xmlns:a14="http://schemas.microsoft.com/office/drawing/2010/main">
+              <a14:hiddenFill xmlns:a14="http://schemas.microsoft.com/office/drawing/2010/main" xmlns="">
                 <a:solidFill>
                   <a:schemeClr val="accent1"/>
                 </a:solidFill>
               </a14:hiddenFill>
             </a:ext>
             <a:ext uri="{91240B29-F687-4f45-9708-019B960494DF}">
-              <a14:hiddenLine xmlns:a14="http://schemas.microsoft.com/office/drawing/2010/main" w="9525">
+              <a14:hiddenLine xmlns:a14="http://schemas.microsoft.com/office/drawing/2010/main" xmlns="" w="9525">
                 <a:solidFill>
                   <a:schemeClr val="tx1"/>
                 </a:solidFill>
@@ -8837,7 +8516,7 @@
               </a14:hiddenLine>
             </a:ext>
             <a:ext uri="{AF507438-7753-43e0-B8FC-AC1667EBCBE1}">
-              <a14:hiddenEffects xmlns:a14="http://schemas.microsoft.com/office/drawing/2010/main">
+              <a14:hiddenEffects xmlns:a14="http://schemas.microsoft.com/office/drawing/2010/main" xmlns="">
                 <a:effectLst>
                   <a:outerShdw dist="35921" dir="2700000" algn="ctr" rotWithShape="0">
                     <a:schemeClr val="bg2"/>
@@ -8881,13 +8560,6 @@
   <p:clrMapOvr>
     <a:masterClrMapping/>
   </p:clrMapOvr>
-  <p:timing>
-    <p:tnLst>
-      <p:par>
-        <p:cTn xmlns:p14="http://schemas.microsoft.com/office/powerpoint/2010/main" id="1" dur="indefinite" restart="never" nodeType="tmRoot"/>
-      </p:par>
-    </p:tnLst>
-  </p:timing>
 </p:sld>
 </file>
 
@@ -8924,14 +8596,13 @@
           <a:lstStyle/>
           <a:p>
             <a:r>
-              <a:rPr lang="en-US" dirty="0" err="1" smtClean="0"/>
+              <a:rPr lang="en-US" dirty="0" err="1"/>
               <a:t>Glm</a:t>
             </a:r>
             <a:r>
-              <a:rPr lang="en-US" dirty="0" smtClean="0"/>
+              <a:rPr lang="en-US" dirty="0"/>
               <a:t> – generalized linear model</a:t>
             </a:r>
-            <a:endParaRPr lang="en-US" dirty="0"/>
           </a:p>
         </p:txBody>
       </p:sp>
@@ -8955,30 +8626,30 @@
               <a:lstStyle/>
               <a:p>
                 <a:r>
-                  <a:rPr lang="en-US" dirty="0" smtClean="0"/>
+                  <a:rPr lang="en-US" dirty="0"/>
                   <a:t>Use </a:t>
                 </a:r>
                 <a:r>
-                  <a:rPr lang="en-US" dirty="0" err="1" smtClean="0"/>
+                  <a:rPr lang="en-US" dirty="0" err="1"/>
                   <a:t>glm</a:t>
                 </a:r>
                 <a:r>
-                  <a:rPr lang="en-US" dirty="0" smtClean="0"/>
+                  <a:rPr lang="en-US" dirty="0"/>
                   <a:t>() for logistic, </a:t>
                 </a:r>
                 <a:r>
-                  <a:rPr lang="en-US" dirty="0" err="1" smtClean="0"/>
+                  <a:rPr lang="en-US" dirty="0" err="1"/>
                   <a:t>poisson</a:t>
                 </a:r>
                 <a:r>
-                  <a:rPr lang="en-US" dirty="0" smtClean="0"/>
+                  <a:rPr lang="en-US" dirty="0"/>
                   <a:t>, etc.</a:t>
                 </a:r>
               </a:p>
               <a:p>
                 <a:pPr lvl="1"/>
                 <a:r>
-                  <a:rPr lang="en-US" dirty="0" smtClean="0"/>
+                  <a:rPr lang="en-US" dirty="0"/>
                   <a:t>Can use for linear, too </a:t>
                 </a:r>
               </a:p>
@@ -8988,7 +8659,7 @@
               </a:p>
               <a:p>
                 <a:r>
-                  <a:rPr lang="en-US" dirty="0" smtClean="0"/>
+                  <a:rPr lang="en-US" dirty="0"/>
                   <a:t>Remember the logistic transformation:</a:t>
                 </a:r>
               </a:p>
@@ -8997,7 +8668,7 @@
                   <a:buNone/>
                 </a:pPr>
                 <a14:m>
-                  <m:oMathPara xmlns:m="http://schemas.openxmlformats.org/officeDocument/2006/math" xmlns="">
+                  <m:oMathPara xmlns:m="http://schemas.openxmlformats.org/officeDocument/2006/math">
                     <m:oMathParaPr>
                       <m:jc m:val="centerGroup"/>
                     </m:oMathParaPr>
@@ -9006,7 +8677,7 @@
                         <m:funcPr>
                           <m:ctrlPr>
                             <a:rPr lang="en-US" b="0" i="1" smtClean="0">
-                              <a:latin typeface="Cambria Math"/>
+                              <a:latin typeface="Cambria Math" panose="02040503050406030204" pitchFamily="18" charset="0"/>
                             </a:rPr>
                           </m:ctrlPr>
                         </m:funcPr>
@@ -9026,7 +8697,7 @@
                             <m:dPr>
                               <m:ctrlPr>
                                 <a:rPr lang="en-US" b="0" i="1" smtClean="0">
-                                  <a:latin typeface="Cambria Math"/>
+                                  <a:latin typeface="Cambria Math" panose="02040503050406030204" pitchFamily="18" charset="0"/>
                                 </a:rPr>
                               </m:ctrlPr>
                             </m:dPr>
@@ -9035,7 +8706,7 @@
                                 <m:fPr>
                                   <m:ctrlPr>
                                     <a:rPr lang="en-US" b="0" i="1" smtClean="0">
-                                      <a:latin typeface="Cambria Math"/>
+                                      <a:latin typeface="Cambria Math" panose="02040503050406030204" pitchFamily="18" charset="0"/>
                                     </a:rPr>
                                   </m:ctrlPr>
                                 </m:fPr>
@@ -9076,7 +8747,7 @@
                         <m:sSubPr>
                           <m:ctrlPr>
                             <a:rPr lang="en-US" b="0" i="1" smtClean="0">
-                              <a:latin typeface="Cambria Math"/>
+                              <a:latin typeface="Cambria Math" panose="02040503050406030204" pitchFamily="18" charset="0"/>
                             </a:rPr>
                           </m:ctrlPr>
                         </m:sSubPr>
@@ -9109,7 +8780,7 @@
                         <m:sSubPr>
                           <m:ctrlPr>
                             <a:rPr lang="en-US" i="1">
-                              <a:latin typeface="Cambria Math"/>
+                              <a:latin typeface="Cambria Math" panose="02040503050406030204" pitchFamily="18" charset="0"/>
                             </a:rPr>
                           </m:ctrlPr>
                         </m:sSubPr>
@@ -9136,7 +8807,7 @@
                         <m:sSubPr>
                           <m:ctrlPr>
                             <a:rPr lang="en-US" i="1">
-                              <a:latin typeface="Cambria Math"/>
+                              <a:latin typeface="Cambria Math" panose="02040503050406030204" pitchFamily="18" charset="0"/>
                             </a:rPr>
                           </m:ctrlPr>
                         </m:sSubPr>
@@ -9175,11 +8846,11 @@
                     </m:oMath>
                   </m:oMathPara>
                 </a14:m>
-                <a:endParaRPr lang="en-US" dirty="0" smtClean="0"/>
+                <a:endParaRPr lang="en-US" dirty="0"/>
               </a:p>
               <a:p>
                 <a:r>
-                  <a:rPr lang="en-US" dirty="0" smtClean="0"/>
+                  <a:rPr lang="en-US" dirty="0"/>
                   <a:t>Specify with logistic model with family=binomial</a:t>
                 </a:r>
               </a:p>
@@ -9187,7 +8858,7 @@
                 <a:pPr marL="0" indent="0">
                   <a:buNone/>
                 </a:pPr>
-                <a:endParaRPr lang="en-US" sz="2000" dirty="0" smtClean="0">
+                <a:endParaRPr lang="en-US" sz="2000" dirty="0">
                   <a:latin typeface="Courier New" pitchFamily="49" charset="0"/>
                   <a:cs typeface="Courier New" pitchFamily="49" charset="0"/>
                 </a:endParaRPr>
@@ -9197,18 +8868,11 @@
                   <a:buNone/>
                 </a:pPr>
                 <a:r>
-                  <a:rPr lang="en-US" sz="2000" dirty="0" smtClean="0">
-                    <a:latin typeface="Courier New" pitchFamily="49" charset="0"/>
-                    <a:cs typeface="Courier New" pitchFamily="49" charset="0"/>
-                  </a:rPr>
-                  <a:t>model </a:t>
-                </a:r>
-                <a:r>
                   <a:rPr lang="en-US" sz="2000" dirty="0">
                     <a:latin typeface="Courier New" pitchFamily="49" charset="0"/>
                     <a:cs typeface="Courier New" pitchFamily="49" charset="0"/>
                   </a:rPr>
-                  <a:t>&lt;- </a:t>
+                  <a:t>model &lt;- </a:t>
                 </a:r>
                 <a:r>
                   <a:rPr lang="en-US" sz="2000" dirty="0" err="1">
@@ -9224,10 +8888,6 @@
                   </a:rPr>
                   <a:t>(DEATH ~ DIABP + TRTMT, </a:t>
                 </a:r>
-                <a:endParaRPr lang="en-US" sz="2000" dirty="0" smtClean="0">
-                  <a:latin typeface="Courier New" pitchFamily="49" charset="0"/>
-                  <a:cs typeface="Courier New" pitchFamily="49" charset="0"/>
-                </a:endParaRPr>
               </a:p>
               <a:p>
                 <a:pPr marL="0" indent="0">
@@ -9238,21 +8898,7 @@
                     <a:latin typeface="Courier New" pitchFamily="49" charset="0"/>
                     <a:cs typeface="Courier New" pitchFamily="49" charset="0"/>
                   </a:rPr>
-                  <a:t>	</a:t>
-                </a:r>
-                <a:r>
-                  <a:rPr lang="en-US" sz="2000" dirty="0" smtClean="0">
-                    <a:latin typeface="Courier New" pitchFamily="49" charset="0"/>
-                    <a:cs typeface="Courier New" pitchFamily="49" charset="0"/>
-                  </a:rPr>
-                  <a:t>	data=dig</a:t>
-                </a:r>
-                <a:r>
-                  <a:rPr lang="en-US" sz="2000" dirty="0">
-                    <a:latin typeface="Courier New" pitchFamily="49" charset="0"/>
-                    <a:cs typeface="Courier New" pitchFamily="49" charset="0"/>
-                  </a:rPr>
-                  <a:t>, family=binomial)</a:t>
+                  <a:t>		data=dig, family=binomial)</a:t>
                 </a:r>
               </a:p>
               <a:p>
@@ -9343,13 +8989,6 @@
   <p:clrMapOvr>
     <a:masterClrMapping/>
   </p:clrMapOvr>
-  <p:timing>
-    <p:tnLst>
-      <p:par>
-        <p:cTn xmlns:p14="http://schemas.microsoft.com/office/powerpoint/2010/main" id="1" dur="indefinite" restart="never" nodeType="tmRoot"/>
-      </p:par>
-    </p:tnLst>
-  </p:timing>
 </p:sld>
 </file>
 
@@ -9386,10 +9025,9 @@
           <a:lstStyle/>
           <a:p>
             <a:r>
-              <a:rPr lang="en-US" dirty="0" smtClean="0"/>
+              <a:rPr lang="en-US" dirty="0"/>
               <a:t>Caution!</a:t>
             </a:r>
-            <a:endParaRPr lang="en-US" dirty="0"/>
           </a:p>
         </p:txBody>
       </p:sp>
@@ -9411,11 +9049,11 @@
           <a:lstStyle/>
           <a:p>
             <a:r>
-              <a:rPr lang="en-US" dirty="0" err="1" smtClean="0"/>
+              <a:rPr lang="en-US" dirty="0" err="1"/>
               <a:t>Glm</a:t>
             </a:r>
             <a:r>
-              <a:rPr lang="en-US" dirty="0" smtClean="0"/>
+              <a:rPr lang="en-US" dirty="0"/>
               <a:t> defaults to assuming a linear outcome, and does not throw a warning if all linear values are 0s and 1s:</a:t>
             </a:r>
           </a:p>
@@ -9442,35 +9080,20 @@
                 <a:latin typeface="Courier New" pitchFamily="49" charset="0"/>
                 <a:cs typeface="Courier New" pitchFamily="49" charset="0"/>
               </a:rPr>
-              <a:t>(DEATH ~ DIABP + TRTMT, data=dig</a:t>
-            </a:r>
-            <a:r>
-              <a:rPr lang="en-US" sz="1600" dirty="0" smtClean="0">
-                <a:latin typeface="Courier New" pitchFamily="49" charset="0"/>
-                <a:cs typeface="Courier New" pitchFamily="49" charset="0"/>
-              </a:rPr>
-              <a:t>) # wrong, sort of</a:t>
-            </a:r>
-            <a:endParaRPr lang="en-US" sz="1600" dirty="0">
-              <a:latin typeface="Courier New" pitchFamily="49" charset="0"/>
-              <a:cs typeface="Courier New" pitchFamily="49" charset="0"/>
-            </a:endParaRPr>
+              <a:t>(DEATH ~ DIABP + TRTMT, data=dig) # wrong, sort of</a:t>
+            </a:r>
           </a:p>
           <a:p>
             <a:pPr marL="0" indent="0">
               <a:buNone/>
             </a:pPr>
             <a:r>
-              <a:rPr lang="en-US" sz="1600" dirty="0" smtClean="0">
+              <a:rPr lang="en-US" sz="1600" dirty="0">
                 <a:latin typeface="Courier New" pitchFamily="49" charset="0"/>
                 <a:cs typeface="Courier New" pitchFamily="49" charset="0"/>
               </a:rPr>
               <a:t>summary(model)</a:t>
             </a:r>
-            <a:endParaRPr lang="en-US" sz="1600" dirty="0">
-              <a:latin typeface="Courier New" pitchFamily="49" charset="0"/>
-              <a:cs typeface="Courier New" pitchFamily="49" charset="0"/>
-            </a:endParaRPr>
           </a:p>
           <a:p>
             <a:endParaRPr lang="en-US" sz="1600" dirty="0">
@@ -9503,10 +9126,6 @@
               </a:rPr>
               <a:t>(DEATH ~ DIABP + TRTMT, </a:t>
             </a:r>
-            <a:endParaRPr lang="en-US" sz="1600" dirty="0" smtClean="0">
-              <a:latin typeface="Courier New" pitchFamily="49" charset="0"/>
-              <a:cs typeface="Courier New" pitchFamily="49" charset="0"/>
-            </a:endParaRPr>
           </a:p>
           <a:p>
             <a:pPr marL="0" indent="0">
@@ -9517,38 +9136,20 @@
                 <a:latin typeface="Courier New" pitchFamily="49" charset="0"/>
                 <a:cs typeface="Courier New" pitchFamily="49" charset="0"/>
               </a:rPr>
-              <a:t>	</a:t>
-            </a:r>
-            <a:r>
-              <a:rPr lang="en-US" sz="1600" dirty="0" smtClean="0">
-                <a:latin typeface="Courier New" pitchFamily="49" charset="0"/>
-                <a:cs typeface="Courier New" pitchFamily="49" charset="0"/>
-              </a:rPr>
-              <a:t>	data=dig</a:t>
-            </a:r>
+              <a:t>		data=dig, family=binomial)</a:t>
+            </a:r>
+          </a:p>
+          <a:p>
+            <a:pPr marL="0" indent="0">
+              <a:buNone/>
+            </a:pPr>
             <a:r>
               <a:rPr lang="en-US" sz="1600" dirty="0">
                 <a:latin typeface="Courier New" pitchFamily="49" charset="0"/>
                 <a:cs typeface="Courier New" pitchFamily="49" charset="0"/>
               </a:rPr>
-              <a:t>, family=binomial)</a:t>
-            </a:r>
-          </a:p>
-          <a:p>
-            <a:pPr marL="0" indent="0">
-              <a:buNone/>
-            </a:pPr>
-            <a:r>
-              <a:rPr lang="en-US" sz="1600" dirty="0" smtClean="0">
-                <a:latin typeface="Courier New" pitchFamily="49" charset="0"/>
-                <a:cs typeface="Courier New" pitchFamily="49" charset="0"/>
-              </a:rPr>
               <a:t>summary(model)</a:t>
             </a:r>
-            <a:endParaRPr lang="en-US" sz="1600" dirty="0">
-              <a:latin typeface="Courier New" pitchFamily="49" charset="0"/>
-              <a:cs typeface="Courier New" pitchFamily="49" charset="0"/>
-            </a:endParaRPr>
           </a:p>
         </p:txBody>
       </p:sp>
@@ -9585,13 +9186,6 @@
   <p:clrMapOvr>
     <a:masterClrMapping/>
   </p:clrMapOvr>
-  <p:timing>
-    <p:tnLst>
-      <p:par>
-        <p:cTn xmlns:p14="http://schemas.microsoft.com/office/powerpoint/2010/main" id="1" dur="indefinite" restart="never" nodeType="tmRoot"/>
-      </p:par>
-    </p:tnLst>
-  </p:timing>
 </p:sld>
 </file>
 
@@ -9628,10 +9222,9 @@
           <a:lstStyle/>
           <a:p>
             <a:r>
-              <a:rPr lang="en-US" dirty="0" smtClean="0"/>
+              <a:rPr lang="en-US" dirty="0"/>
               <a:t>Challenge</a:t>
             </a:r>
-            <a:endParaRPr lang="en-US" dirty="0"/>
           </a:p>
         </p:txBody>
       </p:sp>
@@ -9656,16 +9249,15 @@
           <a:lstStyle/>
           <a:p>
             <a:r>
-              <a:rPr lang="en-US" dirty="0" smtClean="0"/>
+              <a:rPr lang="en-US" dirty="0"/>
               <a:t>Load the Duncan dataset (reminder: it's in the car package)</a:t>
             </a:r>
           </a:p>
           <a:p>
             <a:r>
-              <a:rPr lang="en-US" dirty="0" smtClean="0"/>
+              <a:rPr lang="en-US" dirty="0"/>
               <a:t>Estimate the average increase in prestige associated with a one-unit increase in education</a:t>
             </a:r>
-            <a:endParaRPr lang="en-US" dirty="0"/>
           </a:p>
         </p:txBody>
       </p:sp>
@@ -9705,14 +9297,14 @@
           <a:effectLst/>
           <a:extLst>
             <a:ext uri="{909E8E84-426E-40dd-AFC4-6F175D3DCCD1}">
-              <a14:hiddenFill xmlns:a14="http://schemas.microsoft.com/office/drawing/2010/main">
+              <a14:hiddenFill xmlns:a14="http://schemas.microsoft.com/office/drawing/2010/main" xmlns="">
                 <a:solidFill>
                   <a:schemeClr val="accent1"/>
                 </a:solidFill>
               </a14:hiddenFill>
             </a:ext>
             <a:ext uri="{91240B29-F687-4f45-9708-019B960494DF}">
-              <a14:hiddenLine xmlns:a14="http://schemas.microsoft.com/office/drawing/2010/main" w="9525">
+              <a14:hiddenLine xmlns:a14="http://schemas.microsoft.com/office/drawing/2010/main" xmlns="" w="9525">
                 <a:solidFill>
                   <a:schemeClr val="tx1"/>
                 </a:solidFill>
@@ -9722,7 +9314,7 @@
               </a14:hiddenLine>
             </a:ext>
             <a:ext uri="{AF507438-7753-43e0-B8FC-AC1667EBCBE1}">
-              <a14:hiddenEffects xmlns:a14="http://schemas.microsoft.com/office/drawing/2010/main">
+              <a14:hiddenEffects xmlns:a14="http://schemas.microsoft.com/office/drawing/2010/main" xmlns="">
                 <a:effectLst>
                   <a:outerShdw dist="35921" dir="2700000" algn="ctr" rotWithShape="0">
                     <a:schemeClr val="bg2"/>
@@ -9757,10 +9349,9 @@
           <a:p>
             <a:pPr algn="ctr"/>
             <a:r>
-              <a:rPr lang="en-US" dirty="0" smtClean="0"/>
+              <a:rPr lang="en-US" dirty="0"/>
               <a:t>Q: How many PhDs use academic robes as bathrobes?</a:t>
             </a:r>
-            <a:endParaRPr lang="en-US" dirty="0"/>
           </a:p>
         </p:txBody>
       </p:sp>
@@ -9787,42 +9378,41 @@
           <a:lstStyle/>
           <a:p>
             <a:r>
-              <a:rPr lang="en-US" dirty="0" smtClean="0"/>
+              <a:rPr lang="en-US" dirty="0"/>
               <a:t>My answer:</a:t>
             </a:r>
           </a:p>
           <a:p>
             <a:r>
-              <a:rPr lang="en-US" dirty="0" smtClean="0"/>
+              <a:rPr lang="en-US" dirty="0"/>
               <a:t>library(car)</a:t>
             </a:r>
           </a:p>
           <a:p>
             <a:r>
-              <a:rPr lang="en-US" dirty="0" smtClean="0"/>
+              <a:rPr lang="en-US" dirty="0"/>
               <a:t>data(Duncan)</a:t>
             </a:r>
           </a:p>
           <a:p>
             <a:r>
-              <a:rPr lang="en-US" dirty="0" smtClean="0"/>
+              <a:rPr lang="en-US" dirty="0"/>
               <a:t>model &lt;- lm(</a:t>
             </a:r>
             <a:r>
-              <a:rPr lang="en-US" dirty="0" err="1" smtClean="0"/>
+              <a:rPr lang="en-US" dirty="0" err="1"/>
               <a:t>prestige~education</a:t>
             </a:r>
             <a:r>
-              <a:rPr lang="en-US" dirty="0" smtClean="0"/>
+              <a:rPr lang="en-US" dirty="0"/>
               <a:t>, data=Duncan)</a:t>
             </a:r>
           </a:p>
           <a:p>
             <a:r>
-              <a:rPr lang="en-US" dirty="0" smtClean="0"/>
+              <a:rPr lang="en-US" dirty="0"/>
               <a:t>summary(model)</a:t>
             </a:r>
-            <a:endParaRPr lang="en-US" dirty="0"/>
           </a:p>
         </p:txBody>
       </p:sp>
@@ -9849,13 +9439,8 @@
           <a:p>
             <a:r>
               <a:rPr lang="en-US" dirty="0"/>
-              <a:t>(Bonus: self-test # </a:t>
-            </a:r>
-            <a:r>
-              <a:rPr lang="en-US" dirty="0" smtClean="0"/>
-              <a:t>14)</a:t>
-            </a:r>
-            <a:endParaRPr lang="en-US" dirty="0"/>
+              <a:t>(Bonus: self-test # 14)</a:t>
+            </a:r>
           </a:p>
         </p:txBody>
       </p:sp>
@@ -9895,7 +9480,7 @@
   <p:timing>
     <p:tnLst>
       <p:par>
-        <p:cTn xmlns:p14="http://schemas.microsoft.com/office/powerpoint/2010/main" id="1" dur="indefinite" restart="never" nodeType="tmRoot">
+        <p:cTn id="1" dur="indefinite" restart="never" nodeType="tmRoot">
           <p:childTnLst>
             <p:seq concurrent="1" nextAc="seek">
               <p:cTn id="2" dur="indefinite" nodeType="mainSeq">
